--- a/2015 NSF CNH Proposal/NSF Project_summary/Schema_MKH.pptx
+++ b/2015 NSF CNH Proposal/NSF Project_summary/Schema_MKH.pptx
@@ -6,6 +6,7 @@
   </p:sldMasterIdLst>
   <p:sldIdLst>
     <p:sldId id="256" r:id="rId2"/>
+    <p:sldId id="257" r:id="rId3"/>
   </p:sldIdLst>
   <p:sldSz cx="9144000" cy="6858000" type="screen4x3"/>
   <p:notesSz cx="6858000" cy="9144000"/>
@@ -288,7 +289,7 @@
           <a:p>
             <a:fld id="{79E52194-9212-DD4D-932E-4C1EE830E6EB}" type="datetimeFigureOut">
               <a:rPr lang="en-US" smtClean="0"/>
-              <a:t>11/6/15</a:t>
+              <a:t>11/9/15</a:t>
             </a:fld>
             <a:endParaRPr lang="en-US"/>
           </a:p>
@@ -458,7 +459,7 @@
           <a:p>
             <a:fld id="{79E52194-9212-DD4D-932E-4C1EE830E6EB}" type="datetimeFigureOut">
               <a:rPr lang="en-US" smtClean="0"/>
-              <a:t>11/6/15</a:t>
+              <a:t>11/9/15</a:t>
             </a:fld>
             <a:endParaRPr lang="en-US"/>
           </a:p>
@@ -638,7 +639,7 @@
           <a:p>
             <a:fld id="{79E52194-9212-DD4D-932E-4C1EE830E6EB}" type="datetimeFigureOut">
               <a:rPr lang="en-US" smtClean="0"/>
-              <a:t>11/6/15</a:t>
+              <a:t>11/9/15</a:t>
             </a:fld>
             <a:endParaRPr lang="en-US"/>
           </a:p>
@@ -808,7 +809,7 @@
           <a:p>
             <a:fld id="{79E52194-9212-DD4D-932E-4C1EE830E6EB}" type="datetimeFigureOut">
               <a:rPr lang="en-US" smtClean="0"/>
-              <a:t>11/6/15</a:t>
+              <a:t>11/9/15</a:t>
             </a:fld>
             <a:endParaRPr lang="en-US"/>
           </a:p>
@@ -1054,7 +1055,7 @@
           <a:p>
             <a:fld id="{79E52194-9212-DD4D-932E-4C1EE830E6EB}" type="datetimeFigureOut">
               <a:rPr lang="en-US" smtClean="0"/>
-              <a:t>11/6/15</a:t>
+              <a:t>11/9/15</a:t>
             </a:fld>
             <a:endParaRPr lang="en-US"/>
           </a:p>
@@ -1342,7 +1343,7 @@
           <a:p>
             <a:fld id="{79E52194-9212-DD4D-932E-4C1EE830E6EB}" type="datetimeFigureOut">
               <a:rPr lang="en-US" smtClean="0"/>
-              <a:t>11/6/15</a:t>
+              <a:t>11/9/15</a:t>
             </a:fld>
             <a:endParaRPr lang="en-US"/>
           </a:p>
@@ -1764,7 +1765,7 @@
           <a:p>
             <a:fld id="{79E52194-9212-DD4D-932E-4C1EE830E6EB}" type="datetimeFigureOut">
               <a:rPr lang="en-US" smtClean="0"/>
-              <a:t>11/6/15</a:t>
+              <a:t>11/9/15</a:t>
             </a:fld>
             <a:endParaRPr lang="en-US"/>
           </a:p>
@@ -1882,7 +1883,7 @@
           <a:p>
             <a:fld id="{79E52194-9212-DD4D-932E-4C1EE830E6EB}" type="datetimeFigureOut">
               <a:rPr lang="en-US" smtClean="0"/>
-              <a:t>11/6/15</a:t>
+              <a:t>11/9/15</a:t>
             </a:fld>
             <a:endParaRPr lang="en-US"/>
           </a:p>
@@ -1977,7 +1978,7 @@
           <a:p>
             <a:fld id="{79E52194-9212-DD4D-932E-4C1EE830E6EB}" type="datetimeFigureOut">
               <a:rPr lang="en-US" smtClean="0"/>
-              <a:t>11/6/15</a:t>
+              <a:t>11/9/15</a:t>
             </a:fld>
             <a:endParaRPr lang="en-US"/>
           </a:p>
@@ -2254,7 +2255,7 @@
           <a:p>
             <a:fld id="{79E52194-9212-DD4D-932E-4C1EE830E6EB}" type="datetimeFigureOut">
               <a:rPr lang="en-US" smtClean="0"/>
-              <a:t>11/6/15</a:t>
+              <a:t>11/9/15</a:t>
             </a:fld>
             <a:endParaRPr lang="en-US"/>
           </a:p>
@@ -2507,7 +2508,7 @@
           <a:p>
             <a:fld id="{79E52194-9212-DD4D-932E-4C1EE830E6EB}" type="datetimeFigureOut">
               <a:rPr lang="en-US" smtClean="0"/>
-              <a:t>11/6/15</a:t>
+              <a:t>11/9/15</a:t>
             </a:fld>
             <a:endParaRPr lang="en-US"/>
           </a:p>
@@ -2720,7 +2721,7 @@
           <a:p>
             <a:fld id="{79E52194-9212-DD4D-932E-4C1EE830E6EB}" type="datetimeFigureOut">
               <a:rPr lang="en-US" smtClean="0"/>
-              <a:t>11/6/15</a:t>
+              <a:t>11/9/15</a:t>
             </a:fld>
             <a:endParaRPr lang="en-US"/>
           </a:p>
@@ -3103,16 +3104,14 @@
         </p:nvSpPr>
         <p:spPr>
           <a:xfrm>
-            <a:off x="5479555" y="2572673"/>
+            <a:off x="5479555" y="2611268"/>
             <a:ext cx="3449286" cy="3063372"/>
           </a:xfrm>
           <a:prstGeom prst="ellipse">
             <a:avLst/>
           </a:prstGeom>
           <a:solidFill>
-            <a:schemeClr val="bg1">
-              <a:lumMod val="85000"/>
-            </a:schemeClr>
+            <a:schemeClr val="accent6"/>
           </a:solidFill>
           <a:ln>
             <a:noFill/>
@@ -3150,16 +3149,14 @@
         </p:nvSpPr>
         <p:spPr>
           <a:xfrm>
-            <a:off x="283492" y="2974286"/>
+            <a:off x="283492" y="2916679"/>
             <a:ext cx="3095721" cy="2452550"/>
           </a:xfrm>
           <a:prstGeom prst="ellipse">
             <a:avLst/>
           </a:prstGeom>
           <a:solidFill>
-            <a:schemeClr val="bg1">
-              <a:lumMod val="85000"/>
-            </a:schemeClr>
+            <a:schemeClr val="accent3"/>
           </a:solidFill>
           <a:ln>
             <a:noFill/>
@@ -3231,7 +3228,7 @@
           <a:p>
             <a:pPr algn="ctr"/>
             <a:r>
-              <a:rPr lang="en-US" dirty="0" smtClean="0">
+              <a:rPr lang="en-US" sz="2400" dirty="0" smtClean="0">
                 <a:solidFill>
                   <a:srgbClr val="558ED5"/>
                 </a:solidFill>
@@ -3239,14 +3236,14 @@
               <a:t>K</a:t>
             </a:r>
             <a:r>
-              <a:rPr lang="en-US" baseline="-25000" dirty="0" smtClean="0">
+              <a:rPr lang="en-US" sz="2400" baseline="-25000" dirty="0" smtClean="0">
                 <a:solidFill>
                   <a:srgbClr val="558ED5"/>
                 </a:solidFill>
               </a:rPr>
               <a:t>B</a:t>
             </a:r>
-            <a:endParaRPr lang="en-US" baseline="-25000" dirty="0">
+            <a:endParaRPr lang="en-US" sz="2400" baseline="-25000" dirty="0">
               <a:solidFill>
                 <a:srgbClr val="558ED5"/>
               </a:solidFill>
@@ -3296,7 +3293,7 @@
           <a:p>
             <a:pPr algn="ctr"/>
             <a:r>
-              <a:rPr lang="en-US" dirty="0" smtClean="0">
+              <a:rPr lang="en-US" sz="2400" dirty="0" smtClean="0">
                 <a:solidFill>
                   <a:srgbClr val="558ED5"/>
                 </a:solidFill>
@@ -3304,7 +3301,7 @@
               <a:t>K</a:t>
             </a:r>
             <a:r>
-              <a:rPr lang="en-US" baseline="-25000" dirty="0" smtClean="0">
+              <a:rPr lang="en-US" sz="2400" baseline="-25000" dirty="0" smtClean="0">
                 <a:solidFill>
                   <a:srgbClr val="558ED5"/>
                 </a:solidFill>
@@ -3312,7 +3309,7 @@
               <a:t>H</a:t>
             </a:r>
             <a:r>
-              <a:rPr lang="en-US" dirty="0" smtClean="0">
+              <a:rPr lang="en-US" sz="2400" dirty="0" smtClean="0">
                 <a:solidFill>
                   <a:srgbClr val="558ED5"/>
                 </a:solidFill>
@@ -3320,14 +3317,14 @@
               <a:t>, K</a:t>
             </a:r>
             <a:r>
-              <a:rPr lang="en-US" baseline="-25000" dirty="0" smtClean="0">
+              <a:rPr lang="en-US" sz="2400" baseline="-25000" dirty="0" smtClean="0">
                 <a:solidFill>
                   <a:srgbClr val="558ED5"/>
                 </a:solidFill>
               </a:rPr>
               <a:t>S</a:t>
             </a:r>
-            <a:endParaRPr lang="en-US" baseline="-25000" dirty="0">
+            <a:endParaRPr lang="en-US" sz="2400" baseline="-25000" dirty="0">
               <a:solidFill>
                 <a:srgbClr val="558ED5"/>
               </a:solidFill>
@@ -3440,7 +3437,7 @@
               <a:rPr lang="en-US" dirty="0" smtClean="0">
                 <a:solidFill>
                   <a:schemeClr val="accent6">
-                    <a:lumMod val="75000"/>
+                    <a:lumMod val="50000"/>
                   </a:schemeClr>
                 </a:solidFill>
               </a:rPr>
@@ -3449,7 +3446,7 @@
             <a:endParaRPr lang="en-US" dirty="0">
               <a:solidFill>
                 <a:schemeClr val="accent6">
-                  <a:lumMod val="75000"/>
+                  <a:lumMod val="50000"/>
                 </a:schemeClr>
               </a:solidFill>
             </a:endParaRPr>
@@ -3483,7 +3480,7 @@
               <a:rPr lang="en-US" dirty="0" smtClean="0">
                 <a:solidFill>
                   <a:schemeClr val="accent6">
-                    <a:lumMod val="75000"/>
+                    <a:lumMod val="50000"/>
                   </a:schemeClr>
                 </a:solidFill>
               </a:rPr>
@@ -3492,7 +3489,7 @@
             <a:endParaRPr lang="en-US" dirty="0">
               <a:solidFill>
                 <a:schemeClr val="accent6">
-                  <a:lumMod val="75000"/>
+                  <a:lumMod val="50000"/>
                 </a:schemeClr>
               </a:solidFill>
             </a:endParaRPr>
@@ -3526,7 +3523,7 @@
               <a:rPr lang="en-US" dirty="0" smtClean="0">
                 <a:solidFill>
                   <a:schemeClr val="accent6">
-                    <a:lumMod val="75000"/>
+                    <a:lumMod val="50000"/>
                   </a:schemeClr>
                 </a:solidFill>
               </a:rPr>
@@ -3535,7 +3532,7 @@
             <a:endParaRPr lang="en-US" dirty="0">
               <a:solidFill>
                 <a:schemeClr val="accent6">
-                  <a:lumMod val="75000"/>
+                  <a:lumMod val="50000"/>
                 </a:schemeClr>
               </a:solidFill>
             </a:endParaRPr>
@@ -3584,7 +3581,7 @@
           <a:p>
             <a:pPr algn="ctr"/>
             <a:r>
-              <a:rPr lang="en-US" dirty="0" smtClean="0">
+              <a:rPr lang="en-US" sz="2400" dirty="0" smtClean="0">
                 <a:solidFill>
                   <a:srgbClr val="558ED5"/>
                 </a:solidFill>
@@ -3592,14 +3589,14 @@
               <a:t>R</a:t>
             </a:r>
             <a:r>
-              <a:rPr lang="en-US" baseline="-25000" dirty="0" smtClean="0">
+              <a:rPr lang="en-US" sz="2400" baseline="-25000" dirty="0" smtClean="0">
                 <a:solidFill>
                   <a:srgbClr val="558ED5"/>
                 </a:solidFill>
               </a:rPr>
               <a:t>R</a:t>
             </a:r>
-            <a:endParaRPr lang="en-US" baseline="-25000" dirty="0">
+            <a:endParaRPr lang="en-US" sz="2400" baseline="-25000" dirty="0">
               <a:solidFill>
                 <a:srgbClr val="558ED5"/>
               </a:solidFill>
@@ -3649,7 +3646,7 @@
           <a:p>
             <a:pPr algn="ctr"/>
             <a:r>
-              <a:rPr lang="en-US" dirty="0" smtClean="0">
+              <a:rPr lang="en-US" sz="2400" dirty="0" smtClean="0">
                 <a:solidFill>
                   <a:srgbClr val="558ED5"/>
                 </a:solidFill>
@@ -3657,14 +3654,14 @@
               <a:t>R</a:t>
             </a:r>
             <a:r>
-              <a:rPr lang="en-US" baseline="-25000" dirty="0" smtClean="0">
+              <a:rPr lang="en-US" sz="2400" baseline="-25000" dirty="0" smtClean="0">
                 <a:solidFill>
                   <a:srgbClr val="558ED5"/>
                 </a:solidFill>
               </a:rPr>
               <a:t>NR</a:t>
             </a:r>
-            <a:endParaRPr lang="en-US" baseline="-25000" dirty="0">
+            <a:endParaRPr lang="en-US" sz="2400" baseline="-25000" dirty="0">
               <a:solidFill>
                 <a:srgbClr val="558ED5"/>
               </a:solidFill>
@@ -3750,226 +3747,6 @@
           </a:p>
         </p:txBody>
       </p:sp>
-      <p:grpSp>
-        <p:nvGrpSpPr>
-          <p:cNvPr id="69" name="Group 68"/>
-          <p:cNvGrpSpPr/>
-          <p:nvPr/>
-        </p:nvGrpSpPr>
-        <p:grpSpPr>
-          <a:xfrm>
-            <a:off x="1783066" y="2707820"/>
-            <a:ext cx="2267169" cy="2793751"/>
-            <a:chOff x="1896466" y="2118140"/>
-            <a:chExt cx="2267169" cy="2793751"/>
-          </a:xfrm>
-        </p:grpSpPr>
-        <p:sp>
-          <p:nvSpPr>
-            <p:cNvPr id="68" name="Arc 67"/>
-            <p:cNvSpPr/>
-            <p:nvPr/>
-          </p:nvSpPr>
-          <p:spPr>
-            <a:xfrm>
-              <a:off x="1896466" y="2378212"/>
-              <a:ext cx="1756751" cy="2533679"/>
-            </a:xfrm>
-            <a:prstGeom prst="arc">
-              <a:avLst>
-                <a:gd name="adj1" fmla="val 16187000"/>
-                <a:gd name="adj2" fmla="val 5461840"/>
-              </a:avLst>
-            </a:prstGeom>
-            <a:ln w="177800">
-              <a:solidFill>
-                <a:schemeClr val="accent3">
-                  <a:lumMod val="20000"/>
-                  <a:lumOff val="80000"/>
-                </a:schemeClr>
-              </a:solidFill>
-            </a:ln>
-            <a:effectLst/>
-          </p:spPr>
-          <p:style>
-            <a:lnRef idx="2">
-              <a:schemeClr val="accent1"/>
-            </a:lnRef>
-            <a:fillRef idx="0">
-              <a:schemeClr val="accent1"/>
-            </a:fillRef>
-            <a:effectRef idx="1">
-              <a:schemeClr val="accent1"/>
-            </a:effectRef>
-            <a:fontRef idx="minor">
-              <a:schemeClr val="tx1"/>
-            </a:fontRef>
-          </p:style>
-          <p:txBody>
-            <a:bodyPr rtlCol="0" anchor="ctr"/>
-            <a:lstStyle/>
-            <a:p>
-              <a:pPr algn="ctr"/>
-              <a:endParaRPr lang="en-US"/>
-            </a:p>
-          </p:txBody>
-        </p:sp>
-        <p:sp>
-          <p:nvSpPr>
-            <p:cNvPr id="21" name="TextBox 20"/>
-            <p:cNvSpPr txBox="1"/>
-            <p:nvPr/>
-          </p:nvSpPr>
-          <p:spPr>
-            <a:xfrm rot="5400000">
-              <a:off x="3286472" y="3386757"/>
-              <a:ext cx="1107996" cy="646331"/>
-            </a:xfrm>
-            <a:prstGeom prst="rect">
-              <a:avLst/>
-            </a:prstGeom>
-            <a:noFill/>
-          </p:spPr>
-          <p:txBody>
-            <a:bodyPr wrap="none" rtlCol="0">
-              <a:spAutoFit/>
-            </a:bodyPr>
-            <a:lstStyle/>
-            <a:p>
-              <a:pPr algn="ctr"/>
-              <a:r>
-                <a:rPr lang="en-US" dirty="0" smtClean="0">
-                  <a:solidFill>
-                    <a:schemeClr val="bg2">
-                      <a:lumMod val="75000"/>
-                    </a:schemeClr>
-                  </a:solidFill>
-                </a:rPr>
-                <a:t>Seasonal</a:t>
-              </a:r>
-            </a:p>
-            <a:p>
-              <a:pPr algn="ctr"/>
-              <a:r>
-                <a:rPr lang="en-US" dirty="0" smtClean="0">
-                  <a:solidFill>
-                    <a:schemeClr val="bg2">
-                      <a:lumMod val="75000"/>
-                    </a:schemeClr>
-                  </a:solidFill>
-                </a:rPr>
-                <a:t>variations</a:t>
-              </a:r>
-              <a:endParaRPr lang="en-US" dirty="0">
-                <a:solidFill>
-                  <a:schemeClr val="bg2">
-                    <a:lumMod val="75000"/>
-                  </a:schemeClr>
-                </a:solidFill>
-              </a:endParaRPr>
-            </a:p>
-          </p:txBody>
-        </p:sp>
-        <p:sp>
-          <p:nvSpPr>
-            <p:cNvPr id="22" name="TextBox 21"/>
-            <p:cNvSpPr txBox="1"/>
-            <p:nvPr/>
-          </p:nvSpPr>
-          <p:spPr>
-            <a:xfrm rot="2444505">
-              <a:off x="2552220" y="2118140"/>
-              <a:ext cx="1323950" cy="646331"/>
-            </a:xfrm>
-            <a:prstGeom prst="rect">
-              <a:avLst/>
-            </a:prstGeom>
-            <a:noFill/>
-          </p:spPr>
-          <p:txBody>
-            <a:bodyPr wrap="none" rtlCol="0">
-              <a:spAutoFit/>
-            </a:bodyPr>
-            <a:lstStyle/>
-            <a:p>
-              <a:pPr algn="ctr"/>
-              <a:r>
-                <a:rPr lang="en-US" dirty="0" smtClean="0">
-                  <a:solidFill>
-                    <a:schemeClr val="bg2">
-                      <a:lumMod val="75000"/>
-                    </a:schemeClr>
-                  </a:solidFill>
-                </a:rPr>
-                <a:t>Ecosystem</a:t>
-              </a:r>
-            </a:p>
-            <a:p>
-              <a:pPr algn="ctr"/>
-              <a:r>
-                <a:rPr lang="en-US" dirty="0" smtClean="0">
-                  <a:solidFill>
-                    <a:schemeClr val="bg2">
-                      <a:lumMod val="75000"/>
-                    </a:schemeClr>
-                  </a:solidFill>
-                </a:rPr>
-                <a:t>degradation</a:t>
-              </a:r>
-              <a:endParaRPr lang="en-US" dirty="0">
-                <a:solidFill>
-                  <a:schemeClr val="bg2">
-                    <a:lumMod val="75000"/>
-                  </a:schemeClr>
-                </a:solidFill>
-              </a:endParaRPr>
-            </a:p>
-          </p:txBody>
-        </p:sp>
-        <p:sp>
-          <p:nvSpPr>
-            <p:cNvPr id="23" name="TextBox 22"/>
-            <p:cNvSpPr txBox="1"/>
-            <p:nvPr/>
-          </p:nvSpPr>
-          <p:spPr>
-            <a:xfrm rot="19357543">
-              <a:off x="2729941" y="4534413"/>
-              <a:ext cx="972404" cy="369332"/>
-            </a:xfrm>
-            <a:prstGeom prst="rect">
-              <a:avLst/>
-            </a:prstGeom>
-            <a:noFill/>
-          </p:spPr>
-          <p:txBody>
-            <a:bodyPr wrap="none" rtlCol="0">
-              <a:spAutoFit/>
-            </a:bodyPr>
-            <a:lstStyle/>
-            <a:p>
-              <a:pPr algn="ctr"/>
-              <a:r>
-                <a:rPr lang="en-US" dirty="0" smtClean="0">
-                  <a:solidFill>
-                    <a:schemeClr val="bg2">
-                      <a:lumMod val="75000"/>
-                    </a:schemeClr>
-                  </a:solidFill>
-                </a:rPr>
-                <a:t>Collapse</a:t>
-              </a:r>
-              <a:endParaRPr lang="en-US" dirty="0">
-                <a:solidFill>
-                  <a:schemeClr val="bg2">
-                    <a:lumMod val="75000"/>
-                  </a:schemeClr>
-                </a:solidFill>
-              </a:endParaRPr>
-            </a:p>
-          </p:txBody>
-        </p:sp>
-      </p:grpSp>
       <p:sp>
         <p:nvSpPr>
           <p:cNvPr id="24" name="TextBox 23"/>
@@ -3997,7 +3774,7 @@
               <a:rPr lang="en-US" dirty="0" smtClean="0">
                 <a:solidFill>
                   <a:schemeClr val="accent6">
-                    <a:lumMod val="75000"/>
+                    <a:lumMod val="50000"/>
                   </a:schemeClr>
                 </a:solidFill>
               </a:rPr>
@@ -4006,7 +3783,7 @@
             <a:endParaRPr lang="en-US" dirty="0">
               <a:solidFill>
                 <a:schemeClr val="accent6">
-                  <a:lumMod val="75000"/>
+                  <a:lumMod val="50000"/>
                 </a:schemeClr>
               </a:solidFill>
             </a:endParaRPr>
@@ -4040,7 +3817,7 @@
               <a:rPr lang="en-US" dirty="0" smtClean="0">
                 <a:solidFill>
                   <a:schemeClr val="accent6">
-                    <a:lumMod val="75000"/>
+                    <a:lumMod val="50000"/>
                   </a:schemeClr>
                 </a:solidFill>
               </a:rPr>
@@ -4049,7 +3826,7 @@
             <a:endParaRPr lang="en-US" dirty="0">
               <a:solidFill>
                 <a:schemeClr val="accent6">
-                  <a:lumMod val="75000"/>
+                  <a:lumMod val="50000"/>
                 </a:schemeClr>
               </a:solidFill>
             </a:endParaRPr>
@@ -4112,234 +3889,219 @@
           </a:p>
         </p:txBody>
       </p:sp>
-      <p:grpSp>
-        <p:nvGrpSpPr>
-          <p:cNvPr id="34" name="Group 33"/>
-          <p:cNvGrpSpPr/>
+      <p:sp>
+        <p:nvSpPr>
+          <p:cNvPr id="11" name="TextBox 10"/>
+          <p:cNvSpPr txBox="1"/>
           <p:nvPr/>
-        </p:nvGrpSpPr>
-        <p:grpSpPr>
+        </p:nvSpPr>
+        <p:spPr>
           <a:xfrm>
-            <a:off x="1270354" y="6488629"/>
-            <a:ext cx="6603120" cy="369371"/>
-            <a:chOff x="352870" y="6488629"/>
-            <a:chExt cx="6603120" cy="369371"/>
+            <a:off x="2996573" y="6488629"/>
+            <a:ext cx="1107996" cy="369332"/>
           </a:xfrm>
-        </p:grpSpPr>
-        <p:sp>
-          <p:nvSpPr>
-            <p:cNvPr id="11" name="TextBox 10"/>
-            <p:cNvSpPr txBox="1"/>
-            <p:nvPr/>
-          </p:nvSpPr>
-          <p:spPr>
-            <a:xfrm>
-              <a:off x="2079089" y="6488629"/>
-              <a:ext cx="1107996" cy="369332"/>
-            </a:xfrm>
-            <a:prstGeom prst="rect">
-              <a:avLst/>
-            </a:prstGeom>
-            <a:noFill/>
-          </p:spPr>
-          <p:txBody>
-            <a:bodyPr wrap="none" rtlCol="0">
-              <a:spAutoFit/>
-            </a:bodyPr>
-            <a:lstStyle/>
-            <a:p>
-              <a:pPr algn="ctr"/>
-              <a:r>
-                <a:rPr lang="en-US" dirty="0" smtClean="0">
-                  <a:solidFill>
-                    <a:srgbClr val="FF0000"/>
-                  </a:solidFill>
-                </a:rPr>
-                <a:t>Processes</a:t>
-              </a:r>
-              <a:endParaRPr lang="en-US" dirty="0">
+          <a:prstGeom prst="rect">
+            <a:avLst/>
+          </a:prstGeom>
+          <a:noFill/>
+        </p:spPr>
+        <p:txBody>
+          <a:bodyPr wrap="none" rtlCol="0">
+            <a:spAutoFit/>
+          </a:bodyPr>
+          <a:lstStyle/>
+          <a:p>
+            <a:pPr algn="ctr"/>
+            <a:r>
+              <a:rPr lang="en-US" dirty="0" smtClean="0">
                 <a:solidFill>
                   <a:srgbClr val="FF0000"/>
                 </a:solidFill>
-              </a:endParaRPr>
-            </a:p>
-          </p:txBody>
-        </p:sp>
-        <p:sp>
-          <p:nvSpPr>
-            <p:cNvPr id="25" name="TextBox 24"/>
-            <p:cNvSpPr txBox="1"/>
-            <p:nvPr/>
-          </p:nvSpPr>
-          <p:spPr>
-            <a:xfrm>
-              <a:off x="352870" y="6488668"/>
-              <a:ext cx="1472053" cy="369332"/>
-            </a:xfrm>
-            <a:prstGeom prst="rect">
-              <a:avLst/>
-            </a:prstGeom>
-            <a:noFill/>
-          </p:spPr>
-          <p:txBody>
-            <a:bodyPr wrap="none" rtlCol="0">
-              <a:spAutoFit/>
-            </a:bodyPr>
-            <a:lstStyle/>
-            <a:p>
-              <a:pPr algn="ctr"/>
-              <a:r>
-                <a:rPr lang="en-US" dirty="0" smtClean="0">
-                  <a:solidFill>
-                    <a:schemeClr val="bg2">
-                      <a:lumMod val="75000"/>
-                    </a:schemeClr>
-                  </a:solidFill>
-                </a:rPr>
-                <a:t>Perturbations</a:t>
-              </a:r>
-              <a:endParaRPr lang="en-US" dirty="0">
+              </a:rPr>
+              <a:t>Processes</a:t>
+            </a:r>
+            <a:endParaRPr lang="en-US" dirty="0">
+              <a:solidFill>
+                <a:srgbClr val="FF0000"/>
+              </a:solidFill>
+            </a:endParaRPr>
+          </a:p>
+        </p:txBody>
+      </p:sp>
+      <p:sp>
+        <p:nvSpPr>
+          <p:cNvPr id="25" name="TextBox 24"/>
+          <p:cNvSpPr txBox="1"/>
+          <p:nvPr/>
+        </p:nvSpPr>
+        <p:spPr>
+          <a:xfrm>
+            <a:off x="1270354" y="6488668"/>
+            <a:ext cx="1472053" cy="369332"/>
+          </a:xfrm>
+          <a:prstGeom prst="rect">
+            <a:avLst/>
+          </a:prstGeom>
+          <a:noFill/>
+        </p:spPr>
+        <p:txBody>
+          <a:bodyPr wrap="none" rtlCol="0">
+            <a:spAutoFit/>
+          </a:bodyPr>
+          <a:lstStyle/>
+          <a:p>
+            <a:pPr algn="ctr"/>
+            <a:r>
+              <a:rPr lang="en-US" dirty="0" smtClean="0">
                 <a:solidFill>
                   <a:schemeClr val="bg2">
                     <a:lumMod val="75000"/>
                   </a:schemeClr>
                 </a:solidFill>
-              </a:endParaRPr>
-            </a:p>
-          </p:txBody>
-        </p:sp>
-        <p:sp>
-          <p:nvSpPr>
-            <p:cNvPr id="27" name="TextBox 26"/>
-            <p:cNvSpPr txBox="1"/>
-            <p:nvPr/>
-          </p:nvSpPr>
-          <p:spPr>
-            <a:xfrm>
-              <a:off x="3441251" y="6488668"/>
-              <a:ext cx="1120820" cy="369332"/>
-            </a:xfrm>
-            <a:prstGeom prst="rect">
-              <a:avLst/>
-            </a:prstGeom>
-            <a:noFill/>
-          </p:spPr>
-          <p:txBody>
-            <a:bodyPr wrap="none" rtlCol="0">
-              <a:spAutoFit/>
-            </a:bodyPr>
-            <a:lstStyle/>
-            <a:p>
-              <a:pPr algn="ctr"/>
-              <a:r>
-                <a:rPr lang="en-US" dirty="0" smtClean="0">
-                  <a:solidFill>
-                    <a:schemeClr val="accent6">
-                      <a:lumMod val="75000"/>
-                    </a:schemeClr>
-                  </a:solidFill>
-                </a:rPr>
-                <a:t>Indicators</a:t>
-              </a:r>
-              <a:endParaRPr lang="en-US" dirty="0">
+              </a:rPr>
+              <a:t>Perturbations</a:t>
+            </a:r>
+            <a:endParaRPr lang="en-US" dirty="0">
+              <a:solidFill>
+                <a:schemeClr val="bg2">
+                  <a:lumMod val="75000"/>
+                </a:schemeClr>
+              </a:solidFill>
+            </a:endParaRPr>
+          </a:p>
+        </p:txBody>
+      </p:sp>
+      <p:sp>
+        <p:nvSpPr>
+          <p:cNvPr id="27" name="TextBox 26"/>
+          <p:cNvSpPr txBox="1"/>
+          <p:nvPr/>
+        </p:nvSpPr>
+        <p:spPr>
+          <a:xfrm>
+            <a:off x="4358735" y="6488668"/>
+            <a:ext cx="1120820" cy="369332"/>
+          </a:xfrm>
+          <a:prstGeom prst="rect">
+            <a:avLst/>
+          </a:prstGeom>
+          <a:noFill/>
+        </p:spPr>
+        <p:txBody>
+          <a:bodyPr wrap="none" rtlCol="0">
+            <a:spAutoFit/>
+          </a:bodyPr>
+          <a:lstStyle/>
+          <a:p>
+            <a:pPr algn="ctr"/>
+            <a:r>
+              <a:rPr lang="en-US" dirty="0" smtClean="0">
                 <a:solidFill>
                   <a:schemeClr val="accent6">
-                    <a:lumMod val="75000"/>
+                    <a:lumMod val="50000"/>
                   </a:schemeClr>
                 </a:solidFill>
-              </a:endParaRPr>
-            </a:p>
-          </p:txBody>
-        </p:sp>
-        <p:sp>
-          <p:nvSpPr>
-            <p:cNvPr id="28" name="TextBox 27"/>
-            <p:cNvSpPr txBox="1"/>
-            <p:nvPr/>
-          </p:nvSpPr>
-          <p:spPr>
-            <a:xfrm>
-              <a:off x="4816237" y="6488668"/>
-              <a:ext cx="787395" cy="369332"/>
-            </a:xfrm>
-            <a:prstGeom prst="rect">
-              <a:avLst/>
-            </a:prstGeom>
-            <a:noFill/>
-          </p:spPr>
-          <p:txBody>
-            <a:bodyPr wrap="none" rtlCol="0">
-              <a:spAutoFit/>
-            </a:bodyPr>
-            <a:lstStyle/>
-            <a:p>
-              <a:pPr algn="ctr"/>
-              <a:r>
-                <a:rPr lang="en-US" dirty="0" smtClean="0">
-                  <a:solidFill>
-                    <a:schemeClr val="tx2">
-                      <a:lumMod val="40000"/>
-                      <a:lumOff val="60000"/>
-                    </a:schemeClr>
-                  </a:solidFill>
-                </a:rPr>
-                <a:t>Stocks</a:t>
-              </a:r>
-              <a:endParaRPr lang="en-US" dirty="0">
+              </a:rPr>
+              <a:t>Indicators</a:t>
+            </a:r>
+            <a:endParaRPr lang="en-US" dirty="0">
+              <a:solidFill>
+                <a:schemeClr val="accent6">
+                  <a:lumMod val="50000"/>
+                </a:schemeClr>
+              </a:solidFill>
+            </a:endParaRPr>
+          </a:p>
+        </p:txBody>
+      </p:sp>
+      <p:sp>
+        <p:nvSpPr>
+          <p:cNvPr id="28" name="TextBox 27"/>
+          <p:cNvSpPr txBox="1"/>
+          <p:nvPr/>
+        </p:nvSpPr>
+        <p:spPr>
+          <a:xfrm>
+            <a:off x="5733721" y="6488668"/>
+            <a:ext cx="787395" cy="369332"/>
+          </a:xfrm>
+          <a:prstGeom prst="rect">
+            <a:avLst/>
+          </a:prstGeom>
+          <a:noFill/>
+        </p:spPr>
+        <p:txBody>
+          <a:bodyPr wrap="none" rtlCol="0">
+            <a:spAutoFit/>
+          </a:bodyPr>
+          <a:lstStyle/>
+          <a:p>
+            <a:pPr algn="ctr"/>
+            <a:r>
+              <a:rPr lang="en-US" dirty="0" smtClean="0">
                 <a:solidFill>
                   <a:schemeClr val="tx2">
                     <a:lumMod val="40000"/>
                     <a:lumOff val="60000"/>
                   </a:schemeClr>
                 </a:solidFill>
-              </a:endParaRPr>
-            </a:p>
-          </p:txBody>
-        </p:sp>
-        <p:sp>
-          <p:nvSpPr>
-            <p:cNvPr id="30" name="TextBox 29"/>
-            <p:cNvSpPr txBox="1"/>
-            <p:nvPr/>
-          </p:nvSpPr>
-          <p:spPr>
-            <a:xfrm>
-              <a:off x="5857800" y="6488629"/>
-              <a:ext cx="1098190" cy="369332"/>
-            </a:xfrm>
-            <a:prstGeom prst="rect">
-              <a:avLst/>
-            </a:prstGeom>
-            <a:noFill/>
-          </p:spPr>
-          <p:txBody>
-            <a:bodyPr wrap="none" rtlCol="0">
-              <a:spAutoFit/>
-            </a:bodyPr>
-            <a:lstStyle/>
-            <a:p>
-              <a:pPr algn="ctr"/>
-              <a:r>
-                <a:rPr lang="en-US" dirty="0" smtClean="0">
-                  <a:solidFill>
-                    <a:schemeClr val="accent3">
-                      <a:lumMod val="75000"/>
-                    </a:schemeClr>
-                  </a:solidFill>
-                </a:rPr>
-                <a:t>Couplings</a:t>
-              </a:r>
-              <a:endParaRPr lang="en-US" dirty="0">
+              </a:rPr>
+              <a:t>Stocks</a:t>
+            </a:r>
+            <a:endParaRPr lang="en-US" dirty="0">
+              <a:solidFill>
+                <a:schemeClr val="tx2">
+                  <a:lumMod val="40000"/>
+                  <a:lumOff val="60000"/>
+                </a:schemeClr>
+              </a:solidFill>
+            </a:endParaRPr>
+          </a:p>
+        </p:txBody>
+      </p:sp>
+      <p:sp>
+        <p:nvSpPr>
+          <p:cNvPr id="30" name="TextBox 29"/>
+          <p:cNvSpPr txBox="1"/>
+          <p:nvPr/>
+        </p:nvSpPr>
+        <p:spPr>
+          <a:xfrm>
+            <a:off x="6775284" y="6488629"/>
+            <a:ext cx="1098190" cy="369332"/>
+          </a:xfrm>
+          <a:prstGeom prst="rect">
+            <a:avLst/>
+          </a:prstGeom>
+          <a:noFill/>
+        </p:spPr>
+        <p:txBody>
+          <a:bodyPr wrap="none" rtlCol="0">
+            <a:spAutoFit/>
+          </a:bodyPr>
+          <a:lstStyle/>
+          <a:p>
+            <a:pPr algn="ctr"/>
+            <a:r>
+              <a:rPr lang="en-US" dirty="0" smtClean="0">
                 <a:solidFill>
                   <a:schemeClr val="accent3">
                     <a:lumMod val="75000"/>
                   </a:schemeClr>
                 </a:solidFill>
-              </a:endParaRPr>
-            </a:p>
-          </p:txBody>
-        </p:sp>
-      </p:grpSp>
+              </a:rPr>
+              <a:t>Couplings</a:t>
+            </a:r>
+            <a:endParaRPr lang="en-US" dirty="0">
+              <a:solidFill>
+                <a:schemeClr val="accent3">
+                  <a:lumMod val="75000"/>
+                </a:schemeClr>
+              </a:solidFill>
+            </a:endParaRPr>
+          </a:p>
+        </p:txBody>
+      </p:sp>
       <p:sp>
         <p:nvSpPr>
           <p:cNvPr id="31" name="TextBox 30"/>
@@ -4410,7 +4172,7 @@
               <a:rPr lang="en-US" dirty="0" smtClean="0">
                 <a:solidFill>
                   <a:schemeClr val="accent6">
-                    <a:lumMod val="75000"/>
+                    <a:lumMod val="50000"/>
                   </a:schemeClr>
                 </a:solidFill>
               </a:rPr>
@@ -4485,7 +4247,7 @@
               <a:rPr lang="en-US" dirty="0" smtClean="0">
                 <a:solidFill>
                   <a:schemeClr val="accent6">
-                    <a:lumMod val="75000"/>
+                    <a:lumMod val="50000"/>
                   </a:schemeClr>
                 </a:solidFill>
               </a:rPr>
@@ -5151,20 +4913,1884 @@
           </a:p>
         </p:txBody>
       </p:sp>
+      <p:sp>
+        <p:nvSpPr>
+          <p:cNvPr id="64" name="Arc 63"/>
+          <p:cNvSpPr/>
+          <p:nvPr/>
+        </p:nvSpPr>
+        <p:spPr>
+          <a:xfrm flipH="1">
+            <a:off x="4536492" y="2637916"/>
+            <a:ext cx="1756751" cy="3010076"/>
+          </a:xfrm>
+          <a:prstGeom prst="arc">
+            <a:avLst>
+              <a:gd name="adj1" fmla="val 14736231"/>
+              <a:gd name="adj2" fmla="val 6938199"/>
+            </a:avLst>
+          </a:prstGeom>
+          <a:ln w="177800">
+            <a:solidFill>
+              <a:schemeClr val="accent3">
+                <a:lumMod val="20000"/>
+                <a:lumOff val="80000"/>
+              </a:schemeClr>
+            </a:solidFill>
+          </a:ln>
+          <a:effectLst/>
+        </p:spPr>
+        <p:style>
+          <a:lnRef idx="2">
+            <a:schemeClr val="accent1"/>
+          </a:lnRef>
+          <a:fillRef idx="0">
+            <a:schemeClr val="accent1"/>
+          </a:fillRef>
+          <a:effectRef idx="1">
+            <a:schemeClr val="accent1"/>
+          </a:effectRef>
+          <a:fontRef idx="minor">
+            <a:schemeClr val="tx1"/>
+          </a:fontRef>
+        </p:style>
+        <p:txBody>
+          <a:bodyPr rtlCol="0" anchor="ctr"/>
+          <a:lstStyle/>
+          <a:p>
+            <a:pPr algn="ctr"/>
+            <a:endParaRPr lang="en-US"/>
+          </a:p>
+        </p:txBody>
+      </p:sp>
+      <p:sp>
+        <p:nvSpPr>
+          <p:cNvPr id="62" name="TextBox 61"/>
+          <p:cNvSpPr txBox="1"/>
+          <p:nvPr/>
+        </p:nvSpPr>
+        <p:spPr>
+          <a:xfrm rot="19800000">
+            <a:off x="5107845" y="5263098"/>
+            <a:ext cx="1134934" cy="646331"/>
+          </a:xfrm>
+          <a:prstGeom prst="rect">
+            <a:avLst/>
+          </a:prstGeom>
+          <a:noFill/>
+        </p:spPr>
+        <p:txBody>
+          <a:bodyPr wrap="none" rtlCol="0">
+            <a:spAutoFit/>
+          </a:bodyPr>
+          <a:lstStyle/>
+          <a:p>
+            <a:pPr algn="ctr"/>
+            <a:r>
+              <a:rPr lang="en-US" dirty="0" smtClean="0">
+                <a:solidFill>
+                  <a:schemeClr val="bg2">
+                    <a:lumMod val="75000"/>
+                  </a:schemeClr>
+                </a:solidFill>
+              </a:rPr>
+              <a:t>Extraction</a:t>
+            </a:r>
+          </a:p>
+          <a:p>
+            <a:pPr algn="ctr"/>
+            <a:r>
+              <a:rPr lang="en-US" dirty="0" smtClean="0">
+                <a:solidFill>
+                  <a:schemeClr val="bg2">
+                    <a:lumMod val="75000"/>
+                  </a:schemeClr>
+                </a:solidFill>
+              </a:rPr>
+              <a:t>costs</a:t>
+            </a:r>
+            <a:endParaRPr lang="en-US" dirty="0">
+              <a:solidFill>
+                <a:schemeClr val="bg2">
+                  <a:lumMod val="75000"/>
+                </a:schemeClr>
+              </a:solidFill>
+            </a:endParaRPr>
+          </a:p>
+        </p:txBody>
+      </p:sp>
+      <p:sp>
+        <p:nvSpPr>
+          <p:cNvPr id="63" name="TextBox 62"/>
+          <p:cNvSpPr txBox="1"/>
+          <p:nvPr/>
+        </p:nvSpPr>
+        <p:spPr>
+          <a:xfrm rot="1800000">
+            <a:off x="5163076" y="2353822"/>
+            <a:ext cx="1024477" cy="646331"/>
+          </a:xfrm>
+          <a:prstGeom prst="rect">
+            <a:avLst/>
+          </a:prstGeom>
+          <a:noFill/>
+        </p:spPr>
+        <p:txBody>
+          <a:bodyPr wrap="none" rtlCol="0">
+            <a:spAutoFit/>
+          </a:bodyPr>
+          <a:lstStyle/>
+          <a:p>
+            <a:pPr algn="ctr"/>
+            <a:r>
+              <a:rPr lang="en-US" dirty="0" smtClean="0">
+                <a:solidFill>
+                  <a:schemeClr val="bg2">
+                    <a:lumMod val="75000"/>
+                  </a:schemeClr>
+                </a:solidFill>
+              </a:rPr>
+              <a:t>Pollution</a:t>
+            </a:r>
+          </a:p>
+          <a:p>
+            <a:pPr algn="ctr"/>
+            <a:r>
+              <a:rPr lang="en-US" dirty="0" smtClean="0">
+                <a:solidFill>
+                  <a:schemeClr val="bg2">
+                    <a:lumMod val="75000"/>
+                  </a:schemeClr>
+                </a:solidFill>
+              </a:rPr>
+              <a:t>taxes</a:t>
+            </a:r>
+            <a:endParaRPr lang="en-US" dirty="0">
+              <a:solidFill>
+                <a:schemeClr val="bg2">
+                  <a:lumMod val="75000"/>
+                </a:schemeClr>
+              </a:solidFill>
+            </a:endParaRPr>
+          </a:p>
+        </p:txBody>
+      </p:sp>
+      <p:sp>
+        <p:nvSpPr>
+          <p:cNvPr id="72" name="TextBox 71"/>
+          <p:cNvSpPr txBox="1"/>
+          <p:nvPr/>
+        </p:nvSpPr>
+        <p:spPr>
+          <a:xfrm rot="1174311">
+            <a:off x="257229" y="5215336"/>
+            <a:ext cx="1710725" cy="369332"/>
+          </a:xfrm>
+          <a:prstGeom prst="rect">
+            <a:avLst/>
+          </a:prstGeom>
+          <a:noFill/>
+        </p:spPr>
+        <p:txBody>
+          <a:bodyPr wrap="none" rtlCol="0">
+            <a:spAutoFit/>
+          </a:bodyPr>
+          <a:lstStyle/>
+          <a:p>
+            <a:pPr algn="ctr"/>
+            <a:r>
+              <a:rPr lang="en-US" dirty="0" smtClean="0">
+                <a:solidFill>
+                  <a:schemeClr val="accent3"/>
+                </a:solidFill>
+              </a:rPr>
+              <a:t>Natural Systems</a:t>
+            </a:r>
+            <a:endParaRPr lang="en-US" dirty="0">
+              <a:solidFill>
+                <a:schemeClr val="accent3"/>
+              </a:solidFill>
+            </a:endParaRPr>
+          </a:p>
+        </p:txBody>
+      </p:sp>
+      <p:sp>
+        <p:nvSpPr>
+          <p:cNvPr id="74" name="TextBox 73"/>
+          <p:cNvSpPr txBox="1"/>
+          <p:nvPr/>
+        </p:nvSpPr>
+        <p:spPr>
+          <a:xfrm rot="20172933">
+            <a:off x="7172591" y="5366410"/>
+            <a:ext cx="1685866" cy="369332"/>
+          </a:xfrm>
+          <a:prstGeom prst="rect">
+            <a:avLst/>
+          </a:prstGeom>
+          <a:noFill/>
+        </p:spPr>
+        <p:txBody>
+          <a:bodyPr wrap="none" rtlCol="0">
+            <a:spAutoFit/>
+          </a:bodyPr>
+          <a:lstStyle/>
+          <a:p>
+            <a:pPr algn="ctr"/>
+            <a:r>
+              <a:rPr lang="en-US" dirty="0" smtClean="0">
+                <a:solidFill>
+                  <a:schemeClr val="accent6"/>
+                </a:solidFill>
+              </a:rPr>
+              <a:t>Human Systems</a:t>
+            </a:r>
+            <a:endParaRPr lang="en-US" dirty="0">
+              <a:solidFill>
+                <a:schemeClr val="accent6"/>
+              </a:solidFill>
+            </a:endParaRPr>
+          </a:p>
+        </p:txBody>
+      </p:sp>
+      <p:sp>
+        <p:nvSpPr>
+          <p:cNvPr id="53" name="TextBox 52"/>
+          <p:cNvSpPr txBox="1"/>
+          <p:nvPr/>
+        </p:nvSpPr>
+        <p:spPr>
+          <a:xfrm rot="21198496">
+            <a:off x="4431158" y="6090416"/>
+            <a:ext cx="823037" cy="307777"/>
+          </a:xfrm>
+          <a:prstGeom prst="rect">
+            <a:avLst/>
+          </a:prstGeom>
+          <a:noFill/>
+        </p:spPr>
+        <p:txBody>
+          <a:bodyPr wrap="none" rtlCol="0">
+            <a:spAutoFit/>
+          </a:bodyPr>
+          <a:lstStyle/>
+          <a:p>
+            <a:pPr algn="ctr"/>
+            <a:r>
+              <a:rPr lang="en-US" sz="1400" dirty="0" smtClean="0">
+                <a:solidFill>
+                  <a:schemeClr val="accent3">
+                    <a:lumMod val="75000"/>
+                  </a:schemeClr>
+                </a:solidFill>
+              </a:rPr>
+              <a:t>Minerals</a:t>
+            </a:r>
+            <a:endParaRPr lang="en-US" sz="1400" dirty="0">
+              <a:solidFill>
+                <a:schemeClr val="accent3">
+                  <a:lumMod val="75000"/>
+                </a:schemeClr>
+              </a:solidFill>
+            </a:endParaRPr>
+          </a:p>
+        </p:txBody>
+      </p:sp>
+      <p:sp>
+        <p:nvSpPr>
+          <p:cNvPr id="61" name="Arc 60"/>
+          <p:cNvSpPr/>
+          <p:nvPr/>
+        </p:nvSpPr>
+        <p:spPr>
+          <a:xfrm>
+            <a:off x="2194382" y="2637916"/>
+            <a:ext cx="1756751" cy="3010076"/>
+          </a:xfrm>
+          <a:prstGeom prst="arc">
+            <a:avLst>
+              <a:gd name="adj1" fmla="val 14736231"/>
+              <a:gd name="adj2" fmla="val 6938199"/>
+            </a:avLst>
+          </a:prstGeom>
+          <a:ln w="177800">
+            <a:solidFill>
+              <a:schemeClr val="accent3">
+                <a:lumMod val="20000"/>
+                <a:lumOff val="80000"/>
+              </a:schemeClr>
+            </a:solidFill>
+          </a:ln>
+          <a:effectLst/>
+        </p:spPr>
+        <p:style>
+          <a:lnRef idx="2">
+            <a:schemeClr val="accent1"/>
+          </a:lnRef>
+          <a:fillRef idx="0">
+            <a:schemeClr val="accent1"/>
+          </a:fillRef>
+          <a:effectRef idx="1">
+            <a:schemeClr val="accent1"/>
+          </a:effectRef>
+          <a:fontRef idx="minor">
+            <a:schemeClr val="tx1"/>
+          </a:fontRef>
+        </p:style>
+        <p:txBody>
+          <a:bodyPr rtlCol="0" anchor="ctr"/>
+          <a:lstStyle/>
+          <a:p>
+            <a:pPr algn="ctr"/>
+            <a:endParaRPr lang="en-US"/>
+          </a:p>
+        </p:txBody>
+      </p:sp>
+      <p:sp>
+        <p:nvSpPr>
+          <p:cNvPr id="21" name="TextBox 20"/>
+          <p:cNvSpPr txBox="1"/>
+          <p:nvPr/>
+        </p:nvSpPr>
+        <p:spPr>
+          <a:xfrm rot="5400000">
+            <a:off x="3388532" y="3976437"/>
+            <a:ext cx="1107996" cy="646331"/>
+          </a:xfrm>
+          <a:prstGeom prst="rect">
+            <a:avLst/>
+          </a:prstGeom>
+          <a:noFill/>
+        </p:spPr>
+        <p:txBody>
+          <a:bodyPr wrap="none" rtlCol="0">
+            <a:spAutoFit/>
+          </a:bodyPr>
+          <a:lstStyle/>
+          <a:p>
+            <a:pPr algn="ctr"/>
+            <a:r>
+              <a:rPr lang="en-US" dirty="0" smtClean="0">
+                <a:solidFill>
+                  <a:schemeClr val="bg2">
+                    <a:lumMod val="75000"/>
+                  </a:schemeClr>
+                </a:solidFill>
+              </a:rPr>
+              <a:t>Seasonal</a:t>
+            </a:r>
+          </a:p>
+          <a:p>
+            <a:pPr algn="ctr"/>
+            <a:r>
+              <a:rPr lang="en-US" dirty="0" smtClean="0">
+                <a:solidFill>
+                  <a:schemeClr val="bg2">
+                    <a:lumMod val="75000"/>
+                  </a:schemeClr>
+                </a:solidFill>
+              </a:rPr>
+              <a:t>variations</a:t>
+            </a:r>
+            <a:endParaRPr lang="en-US" dirty="0">
+              <a:solidFill>
+                <a:schemeClr val="bg2">
+                  <a:lumMod val="75000"/>
+                </a:schemeClr>
+              </a:solidFill>
+            </a:endParaRPr>
+          </a:p>
+        </p:txBody>
+      </p:sp>
+      <p:sp>
+        <p:nvSpPr>
+          <p:cNvPr id="22" name="TextBox 21"/>
+          <p:cNvSpPr txBox="1"/>
+          <p:nvPr/>
+        </p:nvSpPr>
+        <p:spPr>
+          <a:xfrm rot="2444505">
+            <a:off x="2835720" y="2537720"/>
+            <a:ext cx="1323950" cy="646331"/>
+          </a:xfrm>
+          <a:prstGeom prst="rect">
+            <a:avLst/>
+          </a:prstGeom>
+          <a:noFill/>
+        </p:spPr>
+        <p:txBody>
+          <a:bodyPr wrap="none" rtlCol="0">
+            <a:spAutoFit/>
+          </a:bodyPr>
+          <a:lstStyle/>
+          <a:p>
+            <a:pPr algn="ctr"/>
+            <a:r>
+              <a:rPr lang="en-US" dirty="0" smtClean="0">
+                <a:solidFill>
+                  <a:schemeClr val="bg2">
+                    <a:lumMod val="75000"/>
+                  </a:schemeClr>
+                </a:solidFill>
+              </a:rPr>
+              <a:t>Ecosystem</a:t>
+            </a:r>
+          </a:p>
+          <a:p>
+            <a:pPr algn="ctr"/>
+            <a:r>
+              <a:rPr lang="en-US" dirty="0" smtClean="0">
+                <a:solidFill>
+                  <a:schemeClr val="bg2">
+                    <a:lumMod val="75000"/>
+                  </a:schemeClr>
+                </a:solidFill>
+              </a:rPr>
+              <a:t>degradation</a:t>
+            </a:r>
+            <a:endParaRPr lang="en-US" dirty="0">
+              <a:solidFill>
+                <a:schemeClr val="bg2">
+                  <a:lumMod val="75000"/>
+                </a:schemeClr>
+              </a:solidFill>
+            </a:endParaRPr>
+          </a:p>
+        </p:txBody>
+      </p:sp>
+      <p:sp>
+        <p:nvSpPr>
+          <p:cNvPr id="23" name="TextBox 22"/>
+          <p:cNvSpPr txBox="1"/>
+          <p:nvPr/>
+        </p:nvSpPr>
+        <p:spPr>
+          <a:xfrm rot="19357543">
+            <a:off x="2832001" y="5271513"/>
+            <a:ext cx="972404" cy="369332"/>
+          </a:xfrm>
+          <a:prstGeom prst="rect">
+            <a:avLst/>
+          </a:prstGeom>
+          <a:noFill/>
+        </p:spPr>
+        <p:txBody>
+          <a:bodyPr wrap="none" rtlCol="0">
+            <a:spAutoFit/>
+          </a:bodyPr>
+          <a:lstStyle/>
+          <a:p>
+            <a:pPr algn="ctr"/>
+            <a:r>
+              <a:rPr lang="en-US" dirty="0" smtClean="0">
+                <a:solidFill>
+                  <a:schemeClr val="bg2">
+                    <a:lumMod val="75000"/>
+                  </a:schemeClr>
+                </a:solidFill>
+              </a:rPr>
+              <a:t>Collapse</a:t>
+            </a:r>
+            <a:endParaRPr lang="en-US" dirty="0">
+              <a:solidFill>
+                <a:schemeClr val="bg2">
+                  <a:lumMod val="75000"/>
+                </a:schemeClr>
+              </a:solidFill>
+            </a:endParaRPr>
+          </a:p>
+        </p:txBody>
+      </p:sp>
+    </p:spTree>
+    <p:extLst>
+      <p:ext uri="{BB962C8B-B14F-4D97-AF65-F5344CB8AC3E}">
+        <p14:creationId xmlns:p14="http://schemas.microsoft.com/office/powerpoint/2010/main" val="850585228"/>
+      </p:ext>
+    </p:extLst>
+  </p:cSld>
+  <p:clrMapOvr>
+    <a:masterClrMapping/>
+  </p:clrMapOvr>
+  <p:timing>
+    <p:tnLst>
+      <p:par>
+        <p:cTn xmlns:p14="http://schemas.microsoft.com/office/powerpoint/2010/main" id="1" dur="indefinite" restart="never" nodeType="tmRoot"/>
+      </p:par>
+    </p:tnLst>
+  </p:timing>
+</p:sld>
+</file>
+
+<file path=ppt/slides/slide2.xml><?xml version="1.0" encoding="utf-8"?>
+<p:sld xmlns:a="http://schemas.openxmlformats.org/drawingml/2006/main" xmlns:r="http://schemas.openxmlformats.org/officeDocument/2006/relationships" xmlns:p="http://schemas.openxmlformats.org/presentationml/2006/main">
+  <p:cSld>
+    <p:spTree>
+      <p:nvGrpSpPr>
+        <p:cNvPr id="1" name=""/>
+        <p:cNvGrpSpPr/>
+        <p:nvPr/>
+      </p:nvGrpSpPr>
+      <p:grpSpPr>
+        <a:xfrm>
+          <a:off x="0" y="0"/>
+          <a:ext cx="0" cy="0"/>
+          <a:chOff x="0" y="0"/>
+          <a:chExt cx="0" cy="0"/>
+        </a:xfrm>
+      </p:grpSpPr>
       <p:grpSp>
         <p:nvGrpSpPr>
-          <p:cNvPr id="70" name="Group 69"/>
+          <p:cNvPr id="44" name="Group 43"/>
           <p:cNvGrpSpPr/>
           <p:nvPr/>
         </p:nvGrpSpPr>
         <p:grpSpPr>
           <a:xfrm>
-            <a:off x="4536492" y="2353822"/>
-            <a:ext cx="1756751" cy="3555607"/>
-            <a:chOff x="4842672" y="1945582"/>
-            <a:chExt cx="1756751" cy="3555607"/>
+            <a:off x="2494" y="33"/>
+            <a:ext cx="9126418" cy="6633997"/>
+            <a:chOff x="2494" y="33"/>
+            <a:chExt cx="9126418" cy="6633997"/>
           </a:xfrm>
         </p:grpSpPr>
+        <p:sp>
+          <p:nvSpPr>
+            <p:cNvPr id="43" name="Rounded Rectangle 42"/>
+            <p:cNvSpPr/>
+            <p:nvPr/>
+          </p:nvSpPr>
+          <p:spPr>
+            <a:xfrm>
+              <a:off x="970491" y="6089699"/>
+              <a:ext cx="7205387" cy="544331"/>
+            </a:xfrm>
+            <a:prstGeom prst="roundRect">
+              <a:avLst/>
+            </a:prstGeom>
+            <a:solidFill>
+              <a:schemeClr val="accent5">
+                <a:lumMod val="40000"/>
+                <a:lumOff val="60000"/>
+              </a:schemeClr>
+            </a:solidFill>
+            <a:effectLst/>
+          </p:spPr>
+          <p:style>
+            <a:lnRef idx="3">
+              <a:schemeClr val="lt1"/>
+            </a:lnRef>
+            <a:fillRef idx="1">
+              <a:schemeClr val="accent6"/>
+            </a:fillRef>
+            <a:effectRef idx="1">
+              <a:schemeClr val="accent6"/>
+            </a:effectRef>
+            <a:fontRef idx="minor">
+              <a:schemeClr val="lt1"/>
+            </a:fontRef>
+          </p:style>
+          <p:txBody>
+            <a:bodyPr rtlCol="0" anchor="ctr"/>
+            <a:lstStyle/>
+            <a:p>
+              <a:pPr algn="ctr"/>
+              <a:endParaRPr lang="en-US"/>
+            </a:p>
+          </p:txBody>
+        </p:sp>
+        <p:sp>
+          <p:nvSpPr>
+            <p:cNvPr id="73" name="Oval 72"/>
+            <p:cNvSpPr/>
+            <p:nvPr/>
+          </p:nvSpPr>
+          <p:spPr>
+            <a:xfrm>
+              <a:off x="5479555" y="1998908"/>
+              <a:ext cx="3449286" cy="3063372"/>
+            </a:xfrm>
+            <a:prstGeom prst="ellipse">
+              <a:avLst/>
+            </a:prstGeom>
+            <a:solidFill>
+              <a:schemeClr val="accent6"/>
+            </a:solidFill>
+            <a:ln>
+              <a:noFill/>
+            </a:ln>
+            <a:effectLst/>
+          </p:spPr>
+          <p:style>
+            <a:lnRef idx="1">
+              <a:schemeClr val="accent1"/>
+            </a:lnRef>
+            <a:fillRef idx="3">
+              <a:schemeClr val="accent1"/>
+            </a:fillRef>
+            <a:effectRef idx="2">
+              <a:schemeClr val="accent1"/>
+            </a:effectRef>
+            <a:fontRef idx="minor">
+              <a:schemeClr val="lt1"/>
+            </a:fontRef>
+          </p:style>
+          <p:txBody>
+            <a:bodyPr rtlCol="0" anchor="ctr"/>
+            <a:lstStyle/>
+            <a:p>
+              <a:pPr algn="ctr"/>
+              <a:endParaRPr lang="en-US">
+                <a:latin typeface="Arial"/>
+                <a:cs typeface="Arial"/>
+              </a:endParaRPr>
+            </a:p>
+          </p:txBody>
+        </p:sp>
+        <p:sp>
+          <p:nvSpPr>
+            <p:cNvPr id="71" name="Oval 70"/>
+            <p:cNvSpPr/>
+            <p:nvPr/>
+          </p:nvSpPr>
+          <p:spPr>
+            <a:xfrm>
+              <a:off x="283492" y="2304319"/>
+              <a:ext cx="3095721" cy="2452550"/>
+            </a:xfrm>
+            <a:prstGeom prst="ellipse">
+              <a:avLst/>
+            </a:prstGeom>
+            <a:solidFill>
+              <a:schemeClr val="accent3"/>
+            </a:solidFill>
+            <a:ln>
+              <a:noFill/>
+            </a:ln>
+            <a:effectLst/>
+          </p:spPr>
+          <p:style>
+            <a:lnRef idx="1">
+              <a:schemeClr val="accent1"/>
+            </a:lnRef>
+            <a:fillRef idx="3">
+              <a:schemeClr val="accent1"/>
+            </a:fillRef>
+            <a:effectRef idx="2">
+              <a:schemeClr val="accent1"/>
+            </a:effectRef>
+            <a:fontRef idx="minor">
+              <a:schemeClr val="lt1"/>
+            </a:fontRef>
+          </p:style>
+          <p:txBody>
+            <a:bodyPr rtlCol="0" anchor="ctr"/>
+            <a:lstStyle/>
+            <a:p>
+              <a:pPr algn="ctr"/>
+              <a:endParaRPr lang="en-US">
+                <a:latin typeface="Arial"/>
+                <a:cs typeface="Arial"/>
+              </a:endParaRPr>
+            </a:p>
+          </p:txBody>
+        </p:sp>
+        <p:sp>
+          <p:nvSpPr>
+            <p:cNvPr id="14" name="TextBox 13"/>
+            <p:cNvSpPr txBox="1"/>
+            <p:nvPr/>
+          </p:nvSpPr>
+          <p:spPr>
+            <a:xfrm>
+              <a:off x="1465703" y="2763889"/>
+              <a:ext cx="1339279" cy="369332"/>
+            </a:xfrm>
+            <a:prstGeom prst="rect">
+              <a:avLst/>
+            </a:prstGeom>
+            <a:noFill/>
+          </p:spPr>
+          <p:txBody>
+            <a:bodyPr wrap="none" rtlCol="0">
+              <a:spAutoFit/>
+            </a:bodyPr>
+            <a:lstStyle/>
+            <a:p>
+              <a:pPr algn="ctr"/>
+              <a:r>
+                <a:rPr lang="en-US" dirty="0" smtClean="0">
+                  <a:solidFill>
+                    <a:schemeClr val="accent6">
+                      <a:lumMod val="50000"/>
+                    </a:schemeClr>
+                  </a:solidFill>
+                  <a:latin typeface="Arial"/>
+                  <a:cs typeface="Arial"/>
+                </a:rPr>
+                <a:t>Distribution</a:t>
+              </a:r>
+              <a:endParaRPr lang="en-US" dirty="0">
+                <a:solidFill>
+                  <a:schemeClr val="accent6">
+                    <a:lumMod val="50000"/>
+                  </a:schemeClr>
+                </a:solidFill>
+                <a:latin typeface="Arial"/>
+                <a:cs typeface="Arial"/>
+              </a:endParaRPr>
+            </a:p>
+          </p:txBody>
+        </p:sp>
+        <p:sp>
+          <p:nvSpPr>
+            <p:cNvPr id="17" name="Oval 16"/>
+            <p:cNvSpPr/>
+            <p:nvPr/>
+          </p:nvSpPr>
+          <p:spPr>
+            <a:xfrm>
+              <a:off x="963361" y="3002663"/>
+              <a:ext cx="635020" cy="635020"/>
+            </a:xfrm>
+            <a:prstGeom prst="ellipse">
+              <a:avLst/>
+            </a:prstGeom>
+            <a:noFill/>
+            <a:ln>
+              <a:solidFill>
+                <a:schemeClr val="tx1"/>
+              </a:solidFill>
+            </a:ln>
+            <a:effectLst/>
+          </p:spPr>
+          <p:style>
+            <a:lnRef idx="1">
+              <a:schemeClr val="accent1"/>
+            </a:lnRef>
+            <a:fillRef idx="3">
+              <a:schemeClr val="accent1"/>
+            </a:fillRef>
+            <a:effectRef idx="2">
+              <a:schemeClr val="accent1"/>
+            </a:effectRef>
+            <a:fontRef idx="minor">
+              <a:schemeClr val="lt1"/>
+            </a:fontRef>
+          </p:style>
+          <p:txBody>
+            <a:bodyPr lIns="0" tIns="0" rIns="0" bIns="0" rtlCol="0" anchor="ctr"/>
+            <a:lstStyle/>
+            <a:p>
+              <a:pPr algn="ctr"/>
+              <a:r>
+                <a:rPr lang="en-US" sz="2100" dirty="0" smtClean="0">
+                  <a:solidFill>
+                    <a:schemeClr val="tx1"/>
+                  </a:solidFill>
+                  <a:latin typeface="Arial"/>
+                  <a:cs typeface="Arial"/>
+                </a:rPr>
+                <a:t>R</a:t>
+              </a:r>
+              <a:r>
+                <a:rPr lang="en-US" sz="2100" baseline="-25000" dirty="0" smtClean="0">
+                  <a:solidFill>
+                    <a:schemeClr val="tx1"/>
+                  </a:solidFill>
+                  <a:latin typeface="Arial"/>
+                  <a:cs typeface="Arial"/>
+                </a:rPr>
+                <a:t>R</a:t>
+              </a:r>
+              <a:endParaRPr lang="en-US" sz="2100" baseline="-25000" dirty="0">
+                <a:solidFill>
+                  <a:schemeClr val="tx1"/>
+                </a:solidFill>
+                <a:latin typeface="Arial"/>
+                <a:cs typeface="Arial"/>
+              </a:endParaRPr>
+            </a:p>
+          </p:txBody>
+        </p:sp>
+        <p:sp>
+          <p:nvSpPr>
+            <p:cNvPr id="18" name="Oval 17"/>
+            <p:cNvSpPr/>
+            <p:nvPr/>
+          </p:nvSpPr>
+          <p:spPr>
+            <a:xfrm>
+              <a:off x="2600005" y="3002663"/>
+              <a:ext cx="635020" cy="635020"/>
+            </a:xfrm>
+            <a:prstGeom prst="ellipse">
+              <a:avLst/>
+            </a:prstGeom>
+            <a:noFill/>
+            <a:ln>
+              <a:solidFill>
+                <a:schemeClr val="tx1"/>
+              </a:solidFill>
+            </a:ln>
+            <a:effectLst/>
+          </p:spPr>
+          <p:style>
+            <a:lnRef idx="1">
+              <a:schemeClr val="accent1"/>
+            </a:lnRef>
+            <a:fillRef idx="3">
+              <a:schemeClr val="accent1"/>
+            </a:fillRef>
+            <a:effectRef idx="2">
+              <a:schemeClr val="accent1"/>
+            </a:effectRef>
+            <a:fontRef idx="minor">
+              <a:schemeClr val="lt1"/>
+            </a:fontRef>
+          </p:style>
+          <p:txBody>
+            <a:bodyPr lIns="0" tIns="0" rIns="0" bIns="0" rtlCol="0" anchor="ctr"/>
+            <a:lstStyle/>
+            <a:p>
+              <a:pPr algn="ctr"/>
+              <a:r>
+                <a:rPr lang="en-US" sz="2100" dirty="0" smtClean="0">
+                  <a:solidFill>
+                    <a:schemeClr val="tx1"/>
+                  </a:solidFill>
+                  <a:latin typeface="Arial"/>
+                  <a:cs typeface="Arial"/>
+                </a:rPr>
+                <a:t>R</a:t>
+              </a:r>
+              <a:r>
+                <a:rPr lang="en-US" sz="2100" baseline="-25000" dirty="0" smtClean="0">
+                  <a:solidFill>
+                    <a:schemeClr val="tx1"/>
+                  </a:solidFill>
+                  <a:latin typeface="Arial"/>
+                  <a:cs typeface="Arial"/>
+                </a:rPr>
+                <a:t>NR</a:t>
+              </a:r>
+              <a:endParaRPr lang="en-US" sz="2100" baseline="-25000" dirty="0">
+                <a:solidFill>
+                  <a:schemeClr val="tx1"/>
+                </a:solidFill>
+                <a:latin typeface="Arial"/>
+                <a:cs typeface="Arial"/>
+              </a:endParaRPr>
+            </a:p>
+          </p:txBody>
+        </p:sp>
+        <p:sp>
+          <p:nvSpPr>
+            <p:cNvPr id="19" name="TextBox 18"/>
+            <p:cNvSpPr txBox="1"/>
+            <p:nvPr/>
+          </p:nvSpPr>
+          <p:spPr>
+            <a:xfrm>
+              <a:off x="970491" y="3909044"/>
+              <a:ext cx="2173680" cy="369332"/>
+            </a:xfrm>
+            <a:prstGeom prst="rect">
+              <a:avLst/>
+            </a:prstGeom>
+            <a:noFill/>
+          </p:spPr>
+          <p:txBody>
+            <a:bodyPr wrap="none" rtlCol="0">
+              <a:spAutoFit/>
+            </a:bodyPr>
+            <a:lstStyle/>
+            <a:p>
+              <a:pPr algn="ctr"/>
+              <a:r>
+                <a:rPr lang="en-US" dirty="0" smtClean="0">
+                  <a:solidFill>
+                    <a:srgbClr val="FFFF00"/>
+                  </a:solidFill>
+                  <a:latin typeface="Arial"/>
+                  <a:cs typeface="Arial"/>
+                </a:rPr>
+                <a:t>Resource depletion</a:t>
+              </a:r>
+              <a:endParaRPr lang="en-US" dirty="0">
+                <a:solidFill>
+                  <a:srgbClr val="FFFF00"/>
+                </a:solidFill>
+                <a:latin typeface="Arial"/>
+                <a:cs typeface="Arial"/>
+              </a:endParaRPr>
+            </a:p>
+          </p:txBody>
+        </p:sp>
+        <p:sp>
+          <p:nvSpPr>
+            <p:cNvPr id="20" name="TextBox 19"/>
+            <p:cNvSpPr txBox="1"/>
+            <p:nvPr/>
+          </p:nvSpPr>
+          <p:spPr>
+            <a:xfrm rot="16200000">
+              <a:off x="-23368" y="3367991"/>
+              <a:ext cx="1262673" cy="307777"/>
+            </a:xfrm>
+            <a:prstGeom prst="rect">
+              <a:avLst/>
+            </a:prstGeom>
+            <a:noFill/>
+          </p:spPr>
+          <p:txBody>
+            <a:bodyPr wrap="none" rtlCol="0">
+              <a:spAutoFit/>
+            </a:bodyPr>
+            <a:lstStyle/>
+            <a:p>
+              <a:pPr algn="ctr"/>
+              <a:r>
+                <a:rPr lang="en-US" sz="1400" dirty="0" smtClean="0">
+                  <a:solidFill>
+                    <a:srgbClr val="FFFF00"/>
+                  </a:solidFill>
+                  <a:latin typeface="Arial"/>
+                  <a:cs typeface="Arial"/>
+                </a:rPr>
+                <a:t>Regeneration</a:t>
+              </a:r>
+              <a:endParaRPr lang="en-US" sz="1400" dirty="0">
+                <a:solidFill>
+                  <a:srgbClr val="FFFF00"/>
+                </a:solidFill>
+                <a:latin typeface="Arial"/>
+                <a:cs typeface="Arial"/>
+              </a:endParaRPr>
+            </a:p>
+          </p:txBody>
+        </p:sp>
+        <p:sp>
+          <p:nvSpPr>
+            <p:cNvPr id="24" name="TextBox 23"/>
+            <p:cNvSpPr txBox="1"/>
+            <p:nvPr/>
+          </p:nvSpPr>
+          <p:spPr>
+            <a:xfrm>
+              <a:off x="1502779" y="3142056"/>
+              <a:ext cx="1249561" cy="646331"/>
+            </a:xfrm>
+            <a:prstGeom prst="rect">
+              <a:avLst/>
+            </a:prstGeom>
+            <a:noFill/>
+          </p:spPr>
+          <p:txBody>
+            <a:bodyPr wrap="none" rtlCol="0">
+              <a:spAutoFit/>
+            </a:bodyPr>
+            <a:lstStyle/>
+            <a:p>
+              <a:pPr algn="ctr"/>
+              <a:r>
+                <a:rPr lang="en-US" dirty="0" smtClean="0">
+                  <a:solidFill>
+                    <a:schemeClr val="accent6">
+                      <a:lumMod val="50000"/>
+                    </a:schemeClr>
+                  </a:solidFill>
+                  <a:latin typeface="Arial"/>
+                  <a:cs typeface="Arial"/>
+                </a:rPr>
+                <a:t>Scarcity,</a:t>
+              </a:r>
+            </a:p>
+            <a:p>
+              <a:pPr algn="ctr"/>
+              <a:r>
+                <a:rPr lang="en-US" dirty="0" smtClean="0">
+                  <a:solidFill>
+                    <a:schemeClr val="accent6">
+                      <a:lumMod val="50000"/>
+                    </a:schemeClr>
+                  </a:solidFill>
+                  <a:latin typeface="Arial"/>
+                  <a:cs typeface="Arial"/>
+                </a:rPr>
+                <a:t>availability</a:t>
+              </a:r>
+              <a:endParaRPr lang="en-US" dirty="0">
+                <a:solidFill>
+                  <a:schemeClr val="accent6">
+                    <a:lumMod val="50000"/>
+                  </a:schemeClr>
+                </a:solidFill>
+                <a:latin typeface="Arial"/>
+                <a:cs typeface="Arial"/>
+              </a:endParaRPr>
+            </a:p>
+          </p:txBody>
+        </p:sp>
+        <p:sp>
+          <p:nvSpPr>
+            <p:cNvPr id="29" name="TextBox 28"/>
+            <p:cNvSpPr txBox="1"/>
+            <p:nvPr/>
+          </p:nvSpPr>
+          <p:spPr>
+            <a:xfrm>
+              <a:off x="3681425" y="4916821"/>
+              <a:ext cx="1185428" cy="646331"/>
+            </a:xfrm>
+            <a:prstGeom prst="rect">
+              <a:avLst/>
+            </a:prstGeom>
+            <a:noFill/>
+          </p:spPr>
+          <p:txBody>
+            <a:bodyPr wrap="none" rtlCol="0">
+              <a:spAutoFit/>
+            </a:bodyPr>
+            <a:lstStyle/>
+            <a:p>
+              <a:pPr algn="ctr"/>
+              <a:r>
+                <a:rPr lang="en-US" dirty="0" smtClean="0">
+                  <a:solidFill>
+                    <a:schemeClr val="accent1"/>
+                  </a:solidFill>
+                  <a:latin typeface="Arial"/>
+                  <a:cs typeface="Arial"/>
+                </a:rPr>
+                <a:t>Resource</a:t>
+              </a:r>
+            </a:p>
+            <a:p>
+              <a:pPr algn="ctr"/>
+              <a:r>
+                <a:rPr lang="en-US" dirty="0" smtClean="0">
+                  <a:solidFill>
+                    <a:schemeClr val="accent1"/>
+                  </a:solidFill>
+                  <a:latin typeface="Arial"/>
+                  <a:cs typeface="Arial"/>
+                </a:rPr>
+                <a:t>extraction</a:t>
+              </a:r>
+              <a:endParaRPr lang="en-US" dirty="0">
+                <a:solidFill>
+                  <a:schemeClr val="accent1"/>
+                </a:solidFill>
+                <a:latin typeface="Arial"/>
+                <a:cs typeface="Arial"/>
+              </a:endParaRPr>
+            </a:p>
+          </p:txBody>
+        </p:sp>
+        <p:sp>
+          <p:nvSpPr>
+            <p:cNvPr id="11" name="TextBox 10"/>
+            <p:cNvSpPr txBox="1"/>
+            <p:nvPr/>
+          </p:nvSpPr>
+          <p:spPr>
+            <a:xfrm>
+              <a:off x="2843742" y="6171109"/>
+              <a:ext cx="1262297" cy="369332"/>
+            </a:xfrm>
+            <a:prstGeom prst="rect">
+              <a:avLst/>
+            </a:prstGeom>
+            <a:noFill/>
+          </p:spPr>
+          <p:txBody>
+            <a:bodyPr wrap="none" rtlCol="0">
+              <a:spAutoFit/>
+            </a:bodyPr>
+            <a:lstStyle/>
+            <a:p>
+              <a:pPr algn="ctr"/>
+              <a:r>
+                <a:rPr lang="en-US" dirty="0" smtClean="0">
+                  <a:solidFill>
+                    <a:srgbClr val="FFFF00"/>
+                  </a:solidFill>
+                  <a:latin typeface="Arial"/>
+                  <a:cs typeface="Arial"/>
+                </a:rPr>
+                <a:t>Processes</a:t>
+              </a:r>
+              <a:endParaRPr lang="en-US" dirty="0">
+                <a:solidFill>
+                  <a:srgbClr val="FFFF00"/>
+                </a:solidFill>
+                <a:latin typeface="Arial"/>
+                <a:cs typeface="Arial"/>
+              </a:endParaRPr>
+            </a:p>
+          </p:txBody>
+        </p:sp>
+        <p:sp>
+          <p:nvSpPr>
+            <p:cNvPr id="25" name="TextBox 24"/>
+            <p:cNvSpPr txBox="1"/>
+            <p:nvPr/>
+          </p:nvSpPr>
+          <p:spPr>
+            <a:xfrm>
+              <a:off x="1046141" y="6171148"/>
+              <a:ext cx="1557600" cy="369332"/>
+            </a:xfrm>
+            <a:prstGeom prst="rect">
+              <a:avLst/>
+            </a:prstGeom>
+            <a:noFill/>
+          </p:spPr>
+          <p:txBody>
+            <a:bodyPr wrap="none" rtlCol="0">
+              <a:spAutoFit/>
+            </a:bodyPr>
+            <a:lstStyle/>
+            <a:p>
+              <a:pPr algn="ctr"/>
+              <a:r>
+                <a:rPr lang="en-US" dirty="0" smtClean="0">
+                  <a:solidFill>
+                    <a:schemeClr val="accent2"/>
+                  </a:solidFill>
+                  <a:latin typeface="Arial"/>
+                  <a:cs typeface="Arial"/>
+                </a:rPr>
+                <a:t>Perturbations</a:t>
+              </a:r>
+              <a:endParaRPr lang="en-US" dirty="0">
+                <a:solidFill>
+                  <a:schemeClr val="accent2"/>
+                </a:solidFill>
+                <a:latin typeface="Arial"/>
+                <a:cs typeface="Arial"/>
+              </a:endParaRPr>
+            </a:p>
+          </p:txBody>
+        </p:sp>
+        <p:sp>
+          <p:nvSpPr>
+            <p:cNvPr id="27" name="TextBox 26"/>
+            <p:cNvSpPr txBox="1"/>
+            <p:nvPr/>
+          </p:nvSpPr>
+          <p:spPr>
+            <a:xfrm>
+              <a:off x="4301070" y="6171148"/>
+              <a:ext cx="1275372" cy="369332"/>
+            </a:xfrm>
+            <a:prstGeom prst="rect">
+              <a:avLst/>
+            </a:prstGeom>
+            <a:noFill/>
+          </p:spPr>
+          <p:txBody>
+            <a:bodyPr wrap="none" rtlCol="0">
+              <a:spAutoFit/>
+            </a:bodyPr>
+            <a:lstStyle/>
+            <a:p>
+              <a:pPr algn="ctr"/>
+              <a:r>
+                <a:rPr lang="en-US" dirty="0" smtClean="0">
+                  <a:solidFill>
+                    <a:schemeClr val="accent6">
+                      <a:lumMod val="50000"/>
+                    </a:schemeClr>
+                  </a:solidFill>
+                  <a:latin typeface="Arial"/>
+                  <a:cs typeface="Arial"/>
+                </a:rPr>
+                <a:t>Conditions</a:t>
+              </a:r>
+              <a:endParaRPr lang="en-US" dirty="0">
+                <a:solidFill>
+                  <a:schemeClr val="accent6">
+                    <a:lumMod val="50000"/>
+                  </a:schemeClr>
+                </a:solidFill>
+                <a:latin typeface="Arial"/>
+                <a:cs typeface="Arial"/>
+              </a:endParaRPr>
+            </a:p>
+          </p:txBody>
+        </p:sp>
+        <p:sp>
+          <p:nvSpPr>
+            <p:cNvPr id="28" name="TextBox 27"/>
+            <p:cNvSpPr txBox="1"/>
+            <p:nvPr/>
+          </p:nvSpPr>
+          <p:spPr>
+            <a:xfrm>
+              <a:off x="5771469" y="6171148"/>
+              <a:ext cx="877389" cy="369332"/>
+            </a:xfrm>
+            <a:prstGeom prst="rect">
+              <a:avLst/>
+            </a:prstGeom>
+            <a:noFill/>
+          </p:spPr>
+          <p:txBody>
+            <a:bodyPr wrap="none" rtlCol="0">
+              <a:spAutoFit/>
+            </a:bodyPr>
+            <a:lstStyle/>
+            <a:p>
+              <a:pPr algn="ctr"/>
+              <a:r>
+                <a:rPr lang="en-US" dirty="0" smtClean="0">
+                  <a:latin typeface="Arial"/>
+                  <a:cs typeface="Arial"/>
+                </a:rPr>
+                <a:t>Stocks</a:t>
+              </a:r>
+              <a:endParaRPr lang="en-US" dirty="0">
+                <a:latin typeface="Arial"/>
+                <a:cs typeface="Arial"/>
+              </a:endParaRPr>
+            </a:p>
+          </p:txBody>
+        </p:sp>
+        <p:sp>
+          <p:nvSpPr>
+            <p:cNvPr id="30" name="TextBox 29"/>
+            <p:cNvSpPr txBox="1"/>
+            <p:nvPr/>
+          </p:nvSpPr>
+          <p:spPr>
+            <a:xfrm>
+              <a:off x="6888860" y="6171109"/>
+              <a:ext cx="1211239" cy="369332"/>
+            </a:xfrm>
+            <a:prstGeom prst="rect">
+              <a:avLst/>
+            </a:prstGeom>
+            <a:noFill/>
+          </p:spPr>
+          <p:txBody>
+            <a:bodyPr wrap="none" rtlCol="0">
+              <a:spAutoFit/>
+            </a:bodyPr>
+            <a:lstStyle/>
+            <a:p>
+              <a:pPr algn="ctr"/>
+              <a:r>
+                <a:rPr lang="en-US" dirty="0" smtClean="0">
+                  <a:solidFill>
+                    <a:schemeClr val="accent1"/>
+                  </a:solidFill>
+                  <a:latin typeface="Arial"/>
+                  <a:cs typeface="Arial"/>
+                </a:rPr>
+                <a:t>Couplings</a:t>
+              </a:r>
+              <a:endParaRPr lang="en-US" dirty="0">
+                <a:solidFill>
+                  <a:schemeClr val="accent1"/>
+                </a:solidFill>
+                <a:latin typeface="Arial"/>
+                <a:cs typeface="Arial"/>
+              </a:endParaRPr>
+            </a:p>
+          </p:txBody>
+        </p:sp>
+        <p:sp>
+          <p:nvSpPr>
+            <p:cNvPr id="31" name="TextBox 30"/>
+            <p:cNvSpPr txBox="1"/>
+            <p:nvPr/>
+          </p:nvSpPr>
+          <p:spPr>
+            <a:xfrm>
+              <a:off x="3773397" y="1318682"/>
+              <a:ext cx="945692" cy="369332"/>
+            </a:xfrm>
+            <a:prstGeom prst="rect">
+              <a:avLst/>
+            </a:prstGeom>
+            <a:noFill/>
+          </p:spPr>
+          <p:txBody>
+            <a:bodyPr wrap="none" rtlCol="0">
+              <a:spAutoFit/>
+            </a:bodyPr>
+            <a:lstStyle/>
+            <a:p>
+              <a:pPr algn="ctr"/>
+              <a:r>
+                <a:rPr lang="en-US" dirty="0" smtClean="0">
+                  <a:solidFill>
+                    <a:schemeClr val="accent1"/>
+                  </a:solidFill>
+                  <a:latin typeface="Arial"/>
+                  <a:cs typeface="Arial"/>
+                </a:rPr>
+                <a:t>Wastes</a:t>
+              </a:r>
+              <a:endParaRPr lang="en-US" dirty="0">
+                <a:solidFill>
+                  <a:schemeClr val="accent1"/>
+                </a:solidFill>
+                <a:latin typeface="Arial"/>
+                <a:cs typeface="Arial"/>
+              </a:endParaRPr>
+            </a:p>
+          </p:txBody>
+        </p:sp>
+        <p:sp>
+          <p:nvSpPr>
+            <p:cNvPr id="46" name="Curved Right Arrow 45"/>
+            <p:cNvSpPr/>
+            <p:nvPr/>
+          </p:nvSpPr>
+          <p:spPr>
+            <a:xfrm rot="5400000">
+              <a:off x="3726643" y="-850098"/>
+              <a:ext cx="1009327" cy="4857413"/>
+            </a:xfrm>
+            <a:prstGeom prst="curvedRightArrow">
+              <a:avLst>
+                <a:gd name="adj1" fmla="val 27286"/>
+                <a:gd name="adj2" fmla="val 50000"/>
+                <a:gd name="adj3" fmla="val 26124"/>
+              </a:avLst>
+            </a:prstGeom>
+            <a:solidFill>
+              <a:srgbClr val="3366FF"/>
+            </a:solidFill>
+            <a:ln>
+              <a:noFill/>
+            </a:ln>
+            <a:effectLst/>
+          </p:spPr>
+          <p:style>
+            <a:lnRef idx="1">
+              <a:schemeClr val="accent1"/>
+            </a:lnRef>
+            <a:fillRef idx="3">
+              <a:schemeClr val="accent1"/>
+            </a:fillRef>
+            <a:effectRef idx="2">
+              <a:schemeClr val="accent1"/>
+            </a:effectRef>
+            <a:fontRef idx="minor">
+              <a:schemeClr val="lt1"/>
+            </a:fontRef>
+          </p:style>
+          <p:txBody>
+            <a:bodyPr rtlCol="0" anchor="ctr"/>
+            <a:lstStyle/>
+            <a:p>
+              <a:pPr algn="ctr"/>
+              <a:endParaRPr lang="en-US">
+                <a:solidFill>
+                  <a:schemeClr val="tx1"/>
+                </a:solidFill>
+                <a:latin typeface="Arial"/>
+                <a:cs typeface="Arial"/>
+              </a:endParaRPr>
+            </a:p>
+          </p:txBody>
+        </p:sp>
+        <p:sp>
+          <p:nvSpPr>
+            <p:cNvPr id="47" name="Curved Right Arrow 46"/>
+            <p:cNvSpPr/>
+            <p:nvPr/>
+          </p:nvSpPr>
+          <p:spPr>
+            <a:xfrm rot="5400000" flipH="1" flipV="1">
+              <a:off x="3889747" y="3050181"/>
+              <a:ext cx="819200" cy="4415830"/>
+            </a:xfrm>
+            <a:prstGeom prst="curvedRightArrow">
+              <a:avLst/>
+            </a:prstGeom>
+            <a:solidFill>
+              <a:srgbClr val="3366FF"/>
+            </a:solidFill>
+            <a:ln>
+              <a:noFill/>
+            </a:ln>
+            <a:effectLst/>
+          </p:spPr>
+          <p:style>
+            <a:lnRef idx="1">
+              <a:schemeClr val="accent1"/>
+            </a:lnRef>
+            <a:fillRef idx="3">
+              <a:schemeClr val="accent1"/>
+            </a:fillRef>
+            <a:effectRef idx="2">
+              <a:schemeClr val="accent1"/>
+            </a:effectRef>
+            <a:fontRef idx="minor">
+              <a:schemeClr val="lt1"/>
+            </a:fontRef>
+          </p:style>
+          <p:txBody>
+            <a:bodyPr rtlCol="0" anchor="ctr"/>
+            <a:lstStyle/>
+            <a:p>
+              <a:pPr algn="ctr"/>
+              <a:endParaRPr lang="en-US">
+                <a:solidFill>
+                  <a:schemeClr val="tx1"/>
+                </a:solidFill>
+                <a:latin typeface="Arial"/>
+                <a:cs typeface="Arial"/>
+              </a:endParaRPr>
+            </a:p>
+          </p:txBody>
+        </p:sp>
+        <p:sp>
+          <p:nvSpPr>
+            <p:cNvPr id="50" name="Arc 49"/>
+            <p:cNvSpPr/>
+            <p:nvPr/>
+          </p:nvSpPr>
+          <p:spPr>
+            <a:xfrm>
+              <a:off x="775986" y="3335702"/>
+              <a:ext cx="600584" cy="769455"/>
+            </a:xfrm>
+            <a:prstGeom prst="arc">
+              <a:avLst>
+                <a:gd name="adj1" fmla="val 5317581"/>
+                <a:gd name="adj2" fmla="val 15021586"/>
+              </a:avLst>
+            </a:prstGeom>
+            <a:ln>
+              <a:solidFill>
+                <a:srgbClr val="FFFF00"/>
+              </a:solidFill>
+              <a:tailEnd type="stealth" w="lg" len="lg"/>
+            </a:ln>
+            <a:effectLst/>
+          </p:spPr>
+          <p:style>
+            <a:lnRef idx="2">
+              <a:schemeClr val="accent1"/>
+            </a:lnRef>
+            <a:fillRef idx="0">
+              <a:schemeClr val="accent1"/>
+            </a:fillRef>
+            <a:effectRef idx="1">
+              <a:schemeClr val="accent1"/>
+            </a:effectRef>
+            <a:fontRef idx="minor">
+              <a:schemeClr val="tx1"/>
+            </a:fontRef>
+          </p:style>
+          <p:txBody>
+            <a:bodyPr rtlCol="0" anchor="ctr"/>
+            <a:lstStyle/>
+            <a:p>
+              <a:pPr algn="ctr"/>
+              <a:endParaRPr lang="en-US">
+                <a:latin typeface="Arial"/>
+                <a:cs typeface="Arial"/>
+              </a:endParaRPr>
+            </a:p>
+          </p:txBody>
+        </p:sp>
+        <p:sp>
+          <p:nvSpPr>
+            <p:cNvPr id="51" name="TextBox 50"/>
+            <p:cNvSpPr txBox="1"/>
+            <p:nvPr/>
+          </p:nvSpPr>
+          <p:spPr>
+            <a:xfrm rot="1502454">
+              <a:off x="2067541" y="5331539"/>
+              <a:ext cx="834784" cy="338554"/>
+            </a:xfrm>
+            <a:prstGeom prst="rect">
+              <a:avLst/>
+            </a:prstGeom>
+            <a:noFill/>
+          </p:spPr>
+          <p:txBody>
+            <a:bodyPr wrap="none" rtlCol="0">
+              <a:spAutoFit/>
+            </a:bodyPr>
+            <a:lstStyle/>
+            <a:p>
+              <a:pPr algn="ctr"/>
+              <a:r>
+                <a:rPr lang="en-US" sz="1600" dirty="0" smtClean="0">
+                  <a:solidFill>
+                    <a:schemeClr val="accent1"/>
+                  </a:solidFill>
+                  <a:latin typeface="Arial"/>
+                  <a:cs typeface="Arial"/>
+                </a:rPr>
+                <a:t>Energy</a:t>
+              </a:r>
+              <a:endParaRPr lang="en-US" sz="1600" dirty="0">
+                <a:solidFill>
+                  <a:schemeClr val="accent1"/>
+                </a:solidFill>
+                <a:latin typeface="Arial"/>
+                <a:cs typeface="Arial"/>
+              </a:endParaRPr>
+            </a:p>
+          </p:txBody>
+        </p:sp>
+        <p:sp>
+          <p:nvSpPr>
+            <p:cNvPr id="52" name="TextBox 51"/>
+            <p:cNvSpPr txBox="1"/>
+            <p:nvPr/>
+          </p:nvSpPr>
+          <p:spPr>
+            <a:xfrm rot="20236462">
+              <a:off x="5431597" y="5397101"/>
+              <a:ext cx="971440" cy="338554"/>
+            </a:xfrm>
+            <a:prstGeom prst="rect">
+              <a:avLst/>
+            </a:prstGeom>
+            <a:noFill/>
+          </p:spPr>
+          <p:txBody>
+            <a:bodyPr wrap="none" rtlCol="0">
+              <a:spAutoFit/>
+            </a:bodyPr>
+            <a:lstStyle/>
+            <a:p>
+              <a:pPr algn="ctr"/>
+              <a:r>
+                <a:rPr lang="en-US" sz="1600" dirty="0" smtClean="0">
+                  <a:solidFill>
+                    <a:schemeClr val="accent1"/>
+                  </a:solidFill>
+                  <a:latin typeface="Arial"/>
+                  <a:cs typeface="Arial"/>
+                </a:rPr>
+                <a:t>Biomass</a:t>
+              </a:r>
+              <a:endParaRPr lang="en-US" sz="1600" dirty="0">
+                <a:solidFill>
+                  <a:schemeClr val="accent1"/>
+                </a:solidFill>
+                <a:latin typeface="Arial"/>
+                <a:cs typeface="Arial"/>
+              </a:endParaRPr>
+            </a:p>
+          </p:txBody>
+        </p:sp>
+        <p:sp>
+          <p:nvSpPr>
+            <p:cNvPr id="54" name="TextBox 53"/>
+            <p:cNvSpPr txBox="1"/>
+            <p:nvPr/>
+          </p:nvSpPr>
+          <p:spPr>
+            <a:xfrm rot="369006">
+              <a:off x="3254850" y="5636813"/>
+              <a:ext cx="724277" cy="338554"/>
+            </a:xfrm>
+            <a:prstGeom prst="rect">
+              <a:avLst/>
+            </a:prstGeom>
+            <a:noFill/>
+          </p:spPr>
+          <p:txBody>
+            <a:bodyPr wrap="none" rtlCol="0">
+              <a:spAutoFit/>
+            </a:bodyPr>
+            <a:lstStyle/>
+            <a:p>
+              <a:pPr algn="ctr"/>
+              <a:r>
+                <a:rPr lang="en-US" sz="1600" dirty="0" smtClean="0">
+                  <a:solidFill>
+                    <a:schemeClr val="accent1"/>
+                  </a:solidFill>
+                  <a:latin typeface="Arial"/>
+                  <a:cs typeface="Arial"/>
+                </a:rPr>
+                <a:t>Water</a:t>
+              </a:r>
+              <a:endParaRPr lang="en-US" sz="1600" dirty="0">
+                <a:solidFill>
+                  <a:schemeClr val="accent1"/>
+                </a:solidFill>
+                <a:latin typeface="Arial"/>
+                <a:cs typeface="Arial"/>
+              </a:endParaRPr>
+            </a:p>
+          </p:txBody>
+        </p:sp>
+        <p:sp>
+          <p:nvSpPr>
+            <p:cNvPr id="55" name="TextBox 54"/>
+            <p:cNvSpPr txBox="1"/>
+            <p:nvPr/>
+          </p:nvSpPr>
+          <p:spPr>
+            <a:xfrm rot="1446885">
+              <a:off x="5789869" y="1048903"/>
+              <a:ext cx="568518" cy="338554"/>
+            </a:xfrm>
+            <a:prstGeom prst="rect">
+              <a:avLst/>
+            </a:prstGeom>
+            <a:noFill/>
+          </p:spPr>
+          <p:txBody>
+            <a:bodyPr wrap="none" rtlCol="0">
+              <a:spAutoFit/>
+            </a:bodyPr>
+            <a:lstStyle/>
+            <a:p>
+              <a:pPr algn="ctr"/>
+              <a:r>
+                <a:rPr lang="en-US" sz="1600" dirty="0" smtClean="0">
+                  <a:solidFill>
+                    <a:schemeClr val="accent1"/>
+                  </a:solidFill>
+                  <a:latin typeface="Arial"/>
+                  <a:cs typeface="Arial"/>
+                </a:rPr>
+                <a:t>CO</a:t>
+              </a:r>
+              <a:r>
+                <a:rPr lang="en-US" sz="1600" baseline="-25000" dirty="0" smtClean="0">
+                  <a:solidFill>
+                    <a:schemeClr val="accent1"/>
+                  </a:solidFill>
+                  <a:latin typeface="Arial"/>
+                  <a:cs typeface="Arial"/>
+                </a:rPr>
+                <a:t>2</a:t>
+              </a:r>
+              <a:endParaRPr lang="en-US" sz="1600" baseline="-25000" dirty="0">
+                <a:solidFill>
+                  <a:schemeClr val="accent1"/>
+                </a:solidFill>
+                <a:latin typeface="Arial"/>
+                <a:cs typeface="Arial"/>
+              </a:endParaRPr>
+            </a:p>
+          </p:txBody>
+        </p:sp>
+        <p:sp>
+          <p:nvSpPr>
+            <p:cNvPr id="56" name="TextBox 55"/>
+            <p:cNvSpPr txBox="1"/>
+            <p:nvPr/>
+          </p:nvSpPr>
+          <p:spPr>
+            <a:xfrm rot="19873434">
+              <a:off x="1606908" y="1091839"/>
+              <a:ext cx="1655922" cy="338554"/>
+            </a:xfrm>
+            <a:prstGeom prst="rect">
+              <a:avLst/>
+            </a:prstGeom>
+            <a:noFill/>
+          </p:spPr>
+          <p:txBody>
+            <a:bodyPr wrap="none" rtlCol="0">
+              <a:spAutoFit/>
+            </a:bodyPr>
+            <a:lstStyle/>
+            <a:p>
+              <a:pPr algn="ctr"/>
+              <a:r>
+                <a:rPr lang="en-US" sz="1600" dirty="0" smtClean="0">
+                  <a:solidFill>
+                    <a:schemeClr val="accent1"/>
+                  </a:solidFill>
+                  <a:latin typeface="Arial"/>
+                  <a:cs typeface="Arial"/>
+                </a:rPr>
+                <a:t>Other Pollutants</a:t>
+              </a:r>
+              <a:endParaRPr lang="en-US" sz="1600" dirty="0">
+                <a:solidFill>
+                  <a:schemeClr val="accent1"/>
+                </a:solidFill>
+                <a:latin typeface="Arial"/>
+                <a:cs typeface="Arial"/>
+              </a:endParaRPr>
+            </a:p>
+          </p:txBody>
+        </p:sp>
+        <p:sp>
+          <p:nvSpPr>
+            <p:cNvPr id="57" name="Rectangle 56"/>
+            <p:cNvSpPr/>
+            <p:nvPr/>
+          </p:nvSpPr>
+          <p:spPr>
+            <a:xfrm>
+              <a:off x="6376010" y="27467"/>
+              <a:ext cx="2752902" cy="923330"/>
+            </a:xfrm>
+            <a:prstGeom prst="rect">
+              <a:avLst/>
+            </a:prstGeom>
+          </p:spPr>
+          <p:txBody>
+            <a:bodyPr wrap="none">
+              <a:spAutoFit/>
+            </a:bodyPr>
+            <a:lstStyle/>
+            <a:p>
+              <a:r>
+                <a:rPr lang="en-US" dirty="0" smtClean="0">
+                  <a:latin typeface="Arial"/>
+                  <a:cs typeface="Arial"/>
+                </a:rPr>
+                <a:t>K</a:t>
+              </a:r>
+              <a:r>
+                <a:rPr lang="en-US" baseline="-25000" dirty="0" smtClean="0">
+                  <a:latin typeface="Arial"/>
+                  <a:cs typeface="Arial"/>
+                </a:rPr>
+                <a:t>B</a:t>
+              </a:r>
+              <a:r>
+                <a:rPr lang="en-US" dirty="0" smtClean="0">
+                  <a:latin typeface="Arial"/>
+                  <a:cs typeface="Arial"/>
+                </a:rPr>
+                <a:t> = built capital stock</a:t>
+              </a:r>
+            </a:p>
+            <a:p>
+              <a:r>
+                <a:rPr lang="en-US" dirty="0" smtClean="0">
+                  <a:latin typeface="Arial"/>
+                  <a:cs typeface="Arial"/>
+                </a:rPr>
+                <a:t>K</a:t>
+              </a:r>
+              <a:r>
+                <a:rPr lang="en-US" baseline="-25000" dirty="0" smtClean="0">
+                  <a:latin typeface="Arial"/>
+                  <a:cs typeface="Arial"/>
+                </a:rPr>
+                <a:t>H</a:t>
+              </a:r>
+              <a:r>
+                <a:rPr lang="en-US" dirty="0" smtClean="0">
+                  <a:latin typeface="Arial"/>
+                  <a:cs typeface="Arial"/>
+                </a:rPr>
+                <a:t> = human capital stock</a:t>
+              </a:r>
+              <a:endParaRPr lang="en-US" baseline="-25000" dirty="0" smtClean="0">
+                <a:latin typeface="Arial"/>
+                <a:cs typeface="Arial"/>
+              </a:endParaRPr>
+            </a:p>
+            <a:p>
+              <a:r>
+                <a:rPr lang="en-US" dirty="0" smtClean="0">
+                  <a:latin typeface="Arial"/>
+                  <a:cs typeface="Arial"/>
+                </a:rPr>
+                <a:t>K</a:t>
+              </a:r>
+              <a:r>
+                <a:rPr lang="en-US" baseline="-25000" dirty="0" smtClean="0">
+                  <a:latin typeface="Arial"/>
+                  <a:cs typeface="Arial"/>
+                </a:rPr>
+                <a:t>S</a:t>
+              </a:r>
+              <a:r>
+                <a:rPr lang="en-US" dirty="0" smtClean="0">
+                  <a:latin typeface="Arial"/>
+                  <a:cs typeface="Arial"/>
+                </a:rPr>
+                <a:t> = social capital stock</a:t>
+              </a:r>
+              <a:endParaRPr lang="en-US" baseline="-25000" dirty="0" smtClean="0">
+                <a:latin typeface="Arial"/>
+                <a:cs typeface="Arial"/>
+              </a:endParaRPr>
+            </a:p>
+          </p:txBody>
+        </p:sp>
+        <p:sp>
+          <p:nvSpPr>
+            <p:cNvPr id="58" name="Rectangle 57"/>
+            <p:cNvSpPr/>
+            <p:nvPr/>
+          </p:nvSpPr>
+          <p:spPr>
+            <a:xfrm>
+              <a:off x="2494" y="33"/>
+              <a:ext cx="3441454" cy="646331"/>
+            </a:xfrm>
+            <a:prstGeom prst="rect">
+              <a:avLst/>
+            </a:prstGeom>
+          </p:spPr>
+          <p:txBody>
+            <a:bodyPr wrap="none">
+              <a:spAutoFit/>
+            </a:bodyPr>
+            <a:lstStyle/>
+            <a:p>
+              <a:r>
+                <a:rPr lang="en-US" dirty="0" smtClean="0">
+                  <a:latin typeface="Arial"/>
+                  <a:cs typeface="Arial"/>
+                </a:rPr>
+                <a:t>R</a:t>
+              </a:r>
+              <a:r>
+                <a:rPr lang="en-US" baseline="-25000" dirty="0" smtClean="0">
+                  <a:latin typeface="Arial"/>
+                  <a:cs typeface="Arial"/>
+                </a:rPr>
+                <a:t>R</a:t>
+              </a:r>
+              <a:r>
+                <a:rPr lang="en-US" dirty="0" smtClean="0">
+                  <a:latin typeface="Arial"/>
+                  <a:cs typeface="Arial"/>
+                </a:rPr>
+                <a:t> = renewable resources</a:t>
+              </a:r>
+            </a:p>
+            <a:p>
+              <a:r>
+                <a:rPr lang="en-US" dirty="0" smtClean="0">
+                  <a:latin typeface="Arial"/>
+                  <a:cs typeface="Arial"/>
+                </a:rPr>
+                <a:t>R</a:t>
+              </a:r>
+              <a:r>
+                <a:rPr lang="en-US" baseline="-25000" dirty="0" smtClean="0">
+                  <a:latin typeface="Arial"/>
+                  <a:cs typeface="Arial"/>
+                </a:rPr>
+                <a:t>NR</a:t>
+              </a:r>
+              <a:r>
+                <a:rPr lang="en-US" dirty="0" smtClean="0">
+                  <a:latin typeface="Arial"/>
+                  <a:cs typeface="Arial"/>
+                </a:rPr>
+                <a:t> = non-renewable resources</a:t>
+              </a:r>
+            </a:p>
+          </p:txBody>
+        </p:sp>
         <p:sp>
           <p:nvSpPr>
             <p:cNvPr id="64" name="Arc 63"/>
@@ -5173,7 +6799,7 @@
           </p:nvSpPr>
           <p:spPr>
             <a:xfrm flipH="1">
-              <a:off x="4842672" y="2196714"/>
+              <a:off x="4536492" y="2025556"/>
               <a:ext cx="1756751" cy="3010076"/>
             </a:xfrm>
             <a:prstGeom prst="arc">
@@ -5182,11 +6808,12 @@
                 <a:gd name="adj2" fmla="val 6938199"/>
               </a:avLst>
             </a:prstGeom>
+            <a:noFill/>
             <a:ln w="177800">
               <a:solidFill>
-                <a:schemeClr val="accent3">
-                  <a:lumMod val="20000"/>
-                  <a:lumOff val="80000"/>
+                <a:schemeClr val="accent2">
+                  <a:lumMod val="40000"/>
+                  <a:lumOff val="60000"/>
                 </a:schemeClr>
               </a:solidFill>
             </a:ln>
@@ -5211,7 +6838,10 @@
             <a:lstStyle/>
             <a:p>
               <a:pPr algn="ctr"/>
-              <a:endParaRPr lang="en-US"/>
+              <a:endParaRPr lang="en-US">
+                <a:latin typeface="Arial"/>
+                <a:cs typeface="Arial"/>
+              </a:endParaRPr>
             </a:p>
           </p:txBody>
         </p:sp>
@@ -5223,8 +6853,8 @@
           </p:nvSpPr>
           <p:spPr>
             <a:xfrm rot="19800000">
-              <a:off x="5414025" y="4854858"/>
-              <a:ext cx="1134934" cy="646331"/>
+              <a:off x="5069805" y="4650738"/>
+              <a:ext cx="1211014" cy="646331"/>
             </a:xfrm>
             <a:prstGeom prst="rect">
               <a:avLst/>
@@ -5241,10 +6871,10 @@
               <a:r>
                 <a:rPr lang="en-US" dirty="0" smtClean="0">
                   <a:solidFill>
-                    <a:schemeClr val="bg2">
-                      <a:lumMod val="75000"/>
-                    </a:schemeClr>
+                    <a:schemeClr val="accent2"/>
                   </a:solidFill>
+                  <a:latin typeface="Arial"/>
+                  <a:cs typeface="Arial"/>
                 </a:rPr>
                 <a:t>Extraction</a:t>
               </a:r>
@@ -5254,19 +6884,19 @@
               <a:r>
                 <a:rPr lang="en-US" dirty="0" smtClean="0">
                   <a:solidFill>
-                    <a:schemeClr val="bg2">
-                      <a:lumMod val="75000"/>
-                    </a:schemeClr>
+                    <a:schemeClr val="accent2"/>
                   </a:solidFill>
+                  <a:latin typeface="Arial"/>
+                  <a:cs typeface="Arial"/>
                 </a:rPr>
                 <a:t>costs</a:t>
               </a:r>
               <a:endParaRPr lang="en-US" dirty="0">
                 <a:solidFill>
-                  <a:schemeClr val="bg2">
-                    <a:lumMod val="75000"/>
-                  </a:schemeClr>
-                </a:solidFill>
+                  <a:schemeClr val="accent2"/>
+                </a:solidFill>
+                <a:latin typeface="Arial"/>
+                <a:cs typeface="Arial"/>
               </a:endParaRPr>
             </a:p>
           </p:txBody>
@@ -5279,8 +6909,8 @@
           </p:nvSpPr>
           <p:spPr>
             <a:xfrm rot="1800000">
-              <a:off x="5469256" y="1945582"/>
-              <a:ext cx="1024477" cy="646331"/>
+              <a:off x="5140252" y="1741462"/>
+              <a:ext cx="1070125" cy="646331"/>
             </a:xfrm>
             <a:prstGeom prst="rect">
               <a:avLst/>
@@ -5297,10 +6927,10 @@
               <a:r>
                 <a:rPr lang="en-US" dirty="0" smtClean="0">
                   <a:solidFill>
-                    <a:schemeClr val="bg2">
-                      <a:lumMod val="75000"/>
-                    </a:schemeClr>
+                    <a:schemeClr val="accent2"/>
                   </a:solidFill>
+                  <a:latin typeface="Arial"/>
+                  <a:cs typeface="Arial"/>
                 </a:rPr>
                 <a:t>Pollution</a:t>
               </a:r>
@@ -5310,157 +6940,1107 @@
               <a:r>
                 <a:rPr lang="en-US" dirty="0" smtClean="0">
                   <a:solidFill>
-                    <a:schemeClr val="bg2">
-                      <a:lumMod val="75000"/>
-                    </a:schemeClr>
+                    <a:schemeClr val="accent2"/>
                   </a:solidFill>
+                  <a:latin typeface="Arial"/>
+                  <a:cs typeface="Arial"/>
                 </a:rPr>
                 <a:t>taxes</a:t>
               </a:r>
               <a:endParaRPr lang="en-US" dirty="0">
                 <a:solidFill>
-                  <a:schemeClr val="bg2">
-                    <a:lumMod val="75000"/>
+                  <a:schemeClr val="accent2"/>
+                </a:solidFill>
+                <a:latin typeface="Arial"/>
+                <a:cs typeface="Arial"/>
+              </a:endParaRPr>
+            </a:p>
+          </p:txBody>
+        </p:sp>
+        <p:sp>
+          <p:nvSpPr>
+            <p:cNvPr id="72" name="TextBox 71"/>
+            <p:cNvSpPr txBox="1"/>
+            <p:nvPr/>
+          </p:nvSpPr>
+          <p:spPr>
+            <a:xfrm rot="1174311">
+              <a:off x="611775" y="4600557"/>
+              <a:ext cx="1069674" cy="646331"/>
+            </a:xfrm>
+            <a:prstGeom prst="rect">
+              <a:avLst/>
+            </a:prstGeom>
+            <a:noFill/>
+          </p:spPr>
+          <p:txBody>
+            <a:bodyPr wrap="none" rtlCol="0">
+              <a:spAutoFit/>
+            </a:bodyPr>
+            <a:lstStyle/>
+            <a:p>
+              <a:pPr algn="ctr"/>
+              <a:r>
+                <a:rPr lang="en-US" dirty="0" smtClean="0">
+                  <a:solidFill>
+                    <a:schemeClr val="accent3"/>
+                  </a:solidFill>
+                  <a:latin typeface="Arial"/>
+                  <a:cs typeface="Arial"/>
+                </a:rPr>
+                <a:t>Natural</a:t>
+              </a:r>
+            </a:p>
+            <a:p>
+              <a:pPr algn="ctr"/>
+              <a:r>
+                <a:rPr lang="en-US" dirty="0" smtClean="0">
+                  <a:solidFill>
+                    <a:schemeClr val="accent3"/>
+                  </a:solidFill>
+                  <a:latin typeface="Arial"/>
+                  <a:cs typeface="Arial"/>
+                </a:rPr>
+                <a:t>Systems</a:t>
+              </a:r>
+              <a:endParaRPr lang="en-US" dirty="0">
+                <a:solidFill>
+                  <a:schemeClr val="accent3"/>
+                </a:solidFill>
+                <a:latin typeface="Arial"/>
+                <a:cs typeface="Arial"/>
+              </a:endParaRPr>
+            </a:p>
+          </p:txBody>
+        </p:sp>
+        <p:sp>
+          <p:nvSpPr>
+            <p:cNvPr id="74" name="TextBox 73"/>
+            <p:cNvSpPr txBox="1"/>
+            <p:nvPr/>
+          </p:nvSpPr>
+          <p:spPr>
+            <a:xfrm rot="20172933">
+              <a:off x="7511179" y="4833113"/>
+              <a:ext cx="1069674" cy="646331"/>
+            </a:xfrm>
+            <a:prstGeom prst="rect">
+              <a:avLst/>
+            </a:prstGeom>
+            <a:noFill/>
+          </p:spPr>
+          <p:txBody>
+            <a:bodyPr wrap="none" rtlCol="0">
+              <a:spAutoFit/>
+            </a:bodyPr>
+            <a:lstStyle/>
+            <a:p>
+              <a:pPr algn="ctr"/>
+              <a:r>
+                <a:rPr lang="en-US" dirty="0" smtClean="0">
+                  <a:solidFill>
+                    <a:schemeClr val="accent6"/>
+                  </a:solidFill>
+                  <a:latin typeface="Arial"/>
+                  <a:cs typeface="Arial"/>
+                </a:rPr>
+                <a:t>Human</a:t>
+              </a:r>
+            </a:p>
+            <a:p>
+              <a:pPr algn="ctr"/>
+              <a:r>
+                <a:rPr lang="en-US" dirty="0" smtClean="0">
+                  <a:solidFill>
+                    <a:schemeClr val="accent6"/>
+                  </a:solidFill>
+                  <a:latin typeface="Arial"/>
+                  <a:cs typeface="Arial"/>
+                </a:rPr>
+                <a:t>Systems</a:t>
+              </a:r>
+              <a:endParaRPr lang="en-US" dirty="0">
+                <a:solidFill>
+                  <a:schemeClr val="accent6"/>
+                </a:solidFill>
+                <a:latin typeface="Arial"/>
+                <a:cs typeface="Arial"/>
+              </a:endParaRPr>
+            </a:p>
+          </p:txBody>
+        </p:sp>
+        <p:sp>
+          <p:nvSpPr>
+            <p:cNvPr id="53" name="TextBox 52"/>
+            <p:cNvSpPr txBox="1"/>
+            <p:nvPr/>
+          </p:nvSpPr>
+          <p:spPr>
+            <a:xfrm rot="21198496">
+              <a:off x="4362668" y="5655448"/>
+              <a:ext cx="960018" cy="338554"/>
+            </a:xfrm>
+            <a:prstGeom prst="rect">
+              <a:avLst/>
+            </a:prstGeom>
+            <a:noFill/>
+          </p:spPr>
+          <p:txBody>
+            <a:bodyPr wrap="none" rtlCol="0">
+              <a:spAutoFit/>
+            </a:bodyPr>
+            <a:lstStyle/>
+            <a:p>
+              <a:pPr algn="ctr"/>
+              <a:r>
+                <a:rPr lang="en-US" sz="1600" dirty="0" smtClean="0">
+                  <a:solidFill>
+                    <a:schemeClr val="accent1"/>
+                  </a:solidFill>
+                  <a:latin typeface="Arial"/>
+                  <a:cs typeface="Arial"/>
+                </a:rPr>
+                <a:t>Minerals</a:t>
+              </a:r>
+              <a:endParaRPr lang="en-US" sz="1600" dirty="0">
+                <a:solidFill>
+                  <a:schemeClr val="accent1"/>
+                </a:solidFill>
+                <a:latin typeface="Arial"/>
+                <a:cs typeface="Arial"/>
+              </a:endParaRPr>
+            </a:p>
+          </p:txBody>
+        </p:sp>
+        <p:sp>
+          <p:nvSpPr>
+            <p:cNvPr id="61" name="Arc 60"/>
+            <p:cNvSpPr/>
+            <p:nvPr/>
+          </p:nvSpPr>
+          <p:spPr>
+            <a:xfrm>
+              <a:off x="2194382" y="2025556"/>
+              <a:ext cx="1756751" cy="3010076"/>
+            </a:xfrm>
+            <a:prstGeom prst="arc">
+              <a:avLst>
+                <a:gd name="adj1" fmla="val 14736231"/>
+                <a:gd name="adj2" fmla="val 6938199"/>
+              </a:avLst>
+            </a:prstGeom>
+            <a:noFill/>
+            <a:ln w="177800">
+              <a:solidFill>
+                <a:schemeClr val="accent2">
+                  <a:lumMod val="40000"/>
+                  <a:lumOff val="60000"/>
+                </a:schemeClr>
+              </a:solidFill>
+            </a:ln>
+            <a:effectLst/>
+          </p:spPr>
+          <p:style>
+            <a:lnRef idx="2">
+              <a:schemeClr val="accent1"/>
+            </a:lnRef>
+            <a:fillRef idx="0">
+              <a:schemeClr val="accent1"/>
+            </a:fillRef>
+            <a:effectRef idx="1">
+              <a:schemeClr val="accent1"/>
+            </a:effectRef>
+            <a:fontRef idx="minor">
+              <a:schemeClr val="tx1"/>
+            </a:fontRef>
+          </p:style>
+          <p:txBody>
+            <a:bodyPr rtlCol="0" anchor="ctr"/>
+            <a:lstStyle/>
+            <a:p>
+              <a:pPr algn="ctr"/>
+              <a:endParaRPr lang="en-US">
+                <a:latin typeface="Arial"/>
+                <a:cs typeface="Arial"/>
+              </a:endParaRPr>
+            </a:p>
+          </p:txBody>
+        </p:sp>
+        <p:sp>
+          <p:nvSpPr>
+            <p:cNvPr id="21" name="TextBox 20"/>
+            <p:cNvSpPr txBox="1"/>
+            <p:nvPr/>
+          </p:nvSpPr>
+          <p:spPr>
+            <a:xfrm rot="5400000">
+              <a:off x="3349829" y="3364077"/>
+              <a:ext cx="1185403" cy="646331"/>
+            </a:xfrm>
+            <a:prstGeom prst="rect">
+              <a:avLst/>
+            </a:prstGeom>
+            <a:noFill/>
+          </p:spPr>
+          <p:txBody>
+            <a:bodyPr wrap="none" rtlCol="0">
+              <a:spAutoFit/>
+            </a:bodyPr>
+            <a:lstStyle/>
+            <a:p>
+              <a:pPr algn="ctr"/>
+              <a:r>
+                <a:rPr lang="en-US" dirty="0" smtClean="0">
+                  <a:solidFill>
+                    <a:schemeClr val="accent2"/>
+                  </a:solidFill>
+                  <a:latin typeface="Arial"/>
+                  <a:cs typeface="Arial"/>
+                </a:rPr>
+                <a:t>Seasonal</a:t>
+              </a:r>
+            </a:p>
+            <a:p>
+              <a:pPr algn="ctr"/>
+              <a:r>
+                <a:rPr lang="en-US" dirty="0" smtClean="0">
+                  <a:solidFill>
+                    <a:schemeClr val="accent2"/>
+                  </a:solidFill>
+                  <a:latin typeface="Arial"/>
+                  <a:cs typeface="Arial"/>
+                </a:rPr>
+                <a:t>variations</a:t>
+              </a:r>
+              <a:endParaRPr lang="en-US" dirty="0">
+                <a:solidFill>
+                  <a:schemeClr val="accent2"/>
+                </a:solidFill>
+                <a:latin typeface="Arial"/>
+                <a:cs typeface="Arial"/>
+              </a:endParaRPr>
+            </a:p>
+          </p:txBody>
+        </p:sp>
+        <p:sp>
+          <p:nvSpPr>
+            <p:cNvPr id="22" name="TextBox 21"/>
+            <p:cNvSpPr txBox="1"/>
+            <p:nvPr/>
+          </p:nvSpPr>
+          <p:spPr>
+            <a:xfrm rot="2444505">
+              <a:off x="2795708" y="1925360"/>
+              <a:ext cx="1403975" cy="646331"/>
+            </a:xfrm>
+            <a:prstGeom prst="rect">
+              <a:avLst/>
+            </a:prstGeom>
+            <a:noFill/>
+          </p:spPr>
+          <p:txBody>
+            <a:bodyPr wrap="none" rtlCol="0">
+              <a:spAutoFit/>
+            </a:bodyPr>
+            <a:lstStyle/>
+            <a:p>
+              <a:pPr algn="ctr"/>
+              <a:r>
+                <a:rPr lang="en-US" dirty="0" smtClean="0">
+                  <a:solidFill>
+                    <a:schemeClr val="accent2"/>
+                  </a:solidFill>
+                  <a:latin typeface="Arial"/>
+                  <a:cs typeface="Arial"/>
+                </a:rPr>
+                <a:t>Ecosystem</a:t>
+              </a:r>
+            </a:p>
+            <a:p>
+              <a:pPr algn="ctr"/>
+              <a:r>
+                <a:rPr lang="en-US" dirty="0" smtClean="0">
+                  <a:solidFill>
+                    <a:schemeClr val="accent2"/>
+                  </a:solidFill>
+                  <a:latin typeface="Arial"/>
+                  <a:cs typeface="Arial"/>
+                </a:rPr>
+                <a:t>degradation</a:t>
+              </a:r>
+              <a:endParaRPr lang="en-US" dirty="0">
+                <a:solidFill>
+                  <a:schemeClr val="accent2"/>
+                </a:solidFill>
+                <a:latin typeface="Arial"/>
+                <a:cs typeface="Arial"/>
+              </a:endParaRPr>
+            </a:p>
+          </p:txBody>
+        </p:sp>
+        <p:sp>
+          <p:nvSpPr>
+            <p:cNvPr id="23" name="TextBox 22"/>
+            <p:cNvSpPr txBox="1"/>
+            <p:nvPr/>
+          </p:nvSpPr>
+          <p:spPr>
+            <a:xfrm rot="19357543">
+              <a:off x="2776773" y="4659153"/>
+              <a:ext cx="1082861" cy="369332"/>
+            </a:xfrm>
+            <a:prstGeom prst="rect">
+              <a:avLst/>
+            </a:prstGeom>
+            <a:noFill/>
+          </p:spPr>
+          <p:txBody>
+            <a:bodyPr wrap="none" rtlCol="0">
+              <a:spAutoFit/>
+            </a:bodyPr>
+            <a:lstStyle/>
+            <a:p>
+              <a:pPr algn="ctr"/>
+              <a:r>
+                <a:rPr lang="en-US" dirty="0" smtClean="0">
+                  <a:solidFill>
+                    <a:schemeClr val="accent2"/>
+                  </a:solidFill>
+                  <a:latin typeface="Arial"/>
+                  <a:cs typeface="Arial"/>
+                </a:rPr>
+                <a:t>Collapse</a:t>
+              </a:r>
+              <a:endParaRPr lang="en-US" dirty="0">
+                <a:solidFill>
+                  <a:schemeClr val="accent2"/>
+                </a:solidFill>
+                <a:latin typeface="Arial"/>
+                <a:cs typeface="Arial"/>
+              </a:endParaRPr>
+            </a:p>
+          </p:txBody>
+        </p:sp>
+        <p:sp>
+          <p:nvSpPr>
+            <p:cNvPr id="35" name="TextBox 34"/>
+            <p:cNvSpPr txBox="1"/>
+            <p:nvPr/>
+          </p:nvSpPr>
+          <p:spPr>
+            <a:xfrm rot="14378736">
+              <a:off x="5531578" y="4046171"/>
+              <a:ext cx="1249899" cy="369332"/>
+            </a:xfrm>
+            <a:prstGeom prst="rect">
+              <a:avLst/>
+            </a:prstGeom>
+            <a:noFill/>
+          </p:spPr>
+          <p:txBody>
+            <a:bodyPr wrap="none" rtlCol="0">
+              <a:spAutoFit/>
+            </a:bodyPr>
+            <a:lstStyle/>
+            <a:p>
+              <a:pPr algn="ctr"/>
+              <a:r>
+                <a:rPr lang="en-US" dirty="0" smtClean="0">
+                  <a:solidFill>
+                    <a:srgbClr val="FFFF00"/>
+                  </a:solidFill>
+                  <a:latin typeface="Arial"/>
+                  <a:cs typeface="Arial"/>
+                </a:rPr>
+                <a:t>Innovation</a:t>
+              </a:r>
+              <a:endParaRPr lang="en-US" dirty="0">
+                <a:solidFill>
+                  <a:srgbClr val="FFFF00"/>
+                </a:solidFill>
+                <a:latin typeface="Arial"/>
+                <a:cs typeface="Arial"/>
+              </a:endParaRPr>
+            </a:p>
+          </p:txBody>
+        </p:sp>
+        <p:sp>
+          <p:nvSpPr>
+            <p:cNvPr id="4" name="Oval 3"/>
+            <p:cNvSpPr/>
+            <p:nvPr/>
+          </p:nvSpPr>
+          <p:spPr>
+            <a:xfrm>
+              <a:off x="6010826" y="2691337"/>
+              <a:ext cx="635020" cy="635020"/>
+            </a:xfrm>
+            <a:prstGeom prst="ellipse">
+              <a:avLst/>
+            </a:prstGeom>
+            <a:noFill/>
+            <a:ln>
+              <a:solidFill>
+                <a:schemeClr val="tx1"/>
+              </a:solidFill>
+            </a:ln>
+            <a:effectLst/>
+          </p:spPr>
+          <p:style>
+            <a:lnRef idx="1">
+              <a:schemeClr val="accent1"/>
+            </a:lnRef>
+            <a:fillRef idx="3">
+              <a:schemeClr val="accent1"/>
+            </a:fillRef>
+            <a:effectRef idx="2">
+              <a:schemeClr val="accent1"/>
+            </a:effectRef>
+            <a:fontRef idx="minor">
+              <a:schemeClr val="lt1"/>
+            </a:fontRef>
+          </p:style>
+          <p:txBody>
+            <a:bodyPr lIns="0" tIns="0" rIns="0" bIns="0" rtlCol="0" anchor="ctr"/>
+            <a:lstStyle/>
+            <a:p>
+              <a:pPr algn="ctr"/>
+              <a:r>
+                <a:rPr lang="en-US" sz="2100" dirty="0" smtClean="0">
+                  <a:solidFill>
+                    <a:schemeClr val="tx1"/>
+                  </a:solidFill>
+                  <a:latin typeface="Arial"/>
+                  <a:cs typeface="Arial"/>
+                </a:rPr>
+                <a:t>K</a:t>
+              </a:r>
+              <a:r>
+                <a:rPr lang="en-US" sz="2100" baseline="-25000" dirty="0" smtClean="0">
+                  <a:solidFill>
+                    <a:schemeClr val="tx1"/>
+                  </a:solidFill>
+                  <a:latin typeface="Arial"/>
+                  <a:cs typeface="Arial"/>
+                </a:rPr>
+                <a:t>B</a:t>
+              </a:r>
+              <a:endParaRPr lang="en-US" sz="2100" baseline="-25000" dirty="0">
+                <a:solidFill>
+                  <a:schemeClr val="tx1"/>
+                </a:solidFill>
+                <a:latin typeface="Arial"/>
+                <a:cs typeface="Arial"/>
+              </a:endParaRPr>
+            </a:p>
+          </p:txBody>
+        </p:sp>
+        <p:sp>
+          <p:nvSpPr>
+            <p:cNvPr id="6" name="Oval 5"/>
+            <p:cNvSpPr/>
+            <p:nvPr/>
+          </p:nvSpPr>
+          <p:spPr>
+            <a:xfrm>
+              <a:off x="7836569" y="2691337"/>
+              <a:ext cx="635020" cy="635020"/>
+            </a:xfrm>
+            <a:prstGeom prst="ellipse">
+              <a:avLst/>
+            </a:prstGeom>
+            <a:noFill/>
+            <a:ln>
+              <a:solidFill>
+                <a:schemeClr val="tx1"/>
+              </a:solidFill>
+            </a:ln>
+            <a:effectLst/>
+          </p:spPr>
+          <p:style>
+            <a:lnRef idx="1">
+              <a:schemeClr val="accent1"/>
+            </a:lnRef>
+            <a:fillRef idx="3">
+              <a:schemeClr val="accent1"/>
+            </a:fillRef>
+            <a:effectRef idx="2">
+              <a:schemeClr val="accent1"/>
+            </a:effectRef>
+            <a:fontRef idx="minor">
+              <a:schemeClr val="lt1"/>
+            </a:fontRef>
+          </p:style>
+          <p:txBody>
+            <a:bodyPr lIns="0" tIns="0" rIns="0" bIns="0" rtlCol="0" anchor="ctr"/>
+            <a:lstStyle/>
+            <a:p>
+              <a:pPr algn="ctr"/>
+              <a:r>
+                <a:rPr lang="en-US" sz="2100" dirty="0" smtClean="0">
+                  <a:solidFill>
+                    <a:schemeClr val="tx1"/>
+                  </a:solidFill>
+                  <a:latin typeface="Arial"/>
+                  <a:cs typeface="Arial"/>
+                </a:rPr>
+                <a:t>K</a:t>
+              </a:r>
+              <a:r>
+                <a:rPr lang="en-US" sz="2100" baseline="-25000" dirty="0" smtClean="0">
+                  <a:solidFill>
+                    <a:schemeClr val="tx1"/>
+                  </a:solidFill>
+                  <a:latin typeface="Arial"/>
+                  <a:cs typeface="Arial"/>
+                </a:rPr>
+                <a:t>H</a:t>
+              </a:r>
+              <a:endParaRPr lang="en-US" sz="2100" baseline="-25000" dirty="0">
+                <a:solidFill>
+                  <a:schemeClr val="tx1"/>
+                </a:solidFill>
+                <a:latin typeface="Arial"/>
+                <a:cs typeface="Arial"/>
+              </a:endParaRPr>
+            </a:p>
+          </p:txBody>
+        </p:sp>
+        <p:sp>
+          <p:nvSpPr>
+            <p:cNvPr id="12" name="TextBox 11"/>
+            <p:cNvSpPr txBox="1"/>
+            <p:nvPr/>
+          </p:nvSpPr>
+          <p:spPr>
+            <a:xfrm rot="7161191">
+              <a:off x="7778765" y="4036989"/>
+              <a:ext cx="958766" cy="369332"/>
+            </a:xfrm>
+            <a:prstGeom prst="rect">
+              <a:avLst/>
+            </a:prstGeom>
+            <a:noFill/>
+          </p:spPr>
+          <p:txBody>
+            <a:bodyPr wrap="none" rtlCol="0">
+              <a:spAutoFit/>
+            </a:bodyPr>
+            <a:lstStyle/>
+            <a:p>
+              <a:pPr algn="ctr"/>
+              <a:r>
+                <a:rPr lang="en-US" dirty="0" smtClean="0">
+                  <a:solidFill>
+                    <a:srgbClr val="FFFF00"/>
+                  </a:solidFill>
+                  <a:latin typeface="Arial"/>
+                  <a:cs typeface="Arial"/>
+                </a:rPr>
+                <a:t>Trading</a:t>
+              </a:r>
+              <a:endParaRPr lang="en-US" dirty="0">
+                <a:solidFill>
+                  <a:srgbClr val="FFFF00"/>
+                </a:solidFill>
+                <a:latin typeface="Arial"/>
+                <a:cs typeface="Arial"/>
+              </a:endParaRPr>
+            </a:p>
+          </p:txBody>
+        </p:sp>
+        <p:sp>
+          <p:nvSpPr>
+            <p:cNvPr id="13" name="TextBox 12"/>
+            <p:cNvSpPr txBox="1"/>
+            <p:nvPr/>
+          </p:nvSpPr>
+          <p:spPr>
+            <a:xfrm>
+              <a:off x="6529056" y="2088309"/>
+              <a:ext cx="1313693" cy="369332"/>
+            </a:xfrm>
+            <a:prstGeom prst="rect">
+              <a:avLst/>
+            </a:prstGeom>
+            <a:noFill/>
+          </p:spPr>
+          <p:txBody>
+            <a:bodyPr wrap="none" rtlCol="0">
+              <a:spAutoFit/>
+            </a:bodyPr>
+            <a:lstStyle/>
+            <a:p>
+              <a:pPr algn="ctr"/>
+              <a:r>
+                <a:rPr lang="en-US" dirty="0" smtClean="0">
+                  <a:solidFill>
+                    <a:srgbClr val="FFFF00"/>
+                  </a:solidFill>
+                  <a:latin typeface="Arial"/>
+                  <a:cs typeface="Arial"/>
+                </a:rPr>
+                <a:t>Investment</a:t>
+              </a:r>
+              <a:endParaRPr lang="en-US" dirty="0">
+                <a:solidFill>
+                  <a:srgbClr val="FFFF00"/>
+                </a:solidFill>
+                <a:latin typeface="Arial"/>
+                <a:cs typeface="Arial"/>
+              </a:endParaRPr>
+            </a:p>
+          </p:txBody>
+        </p:sp>
+        <p:sp>
+          <p:nvSpPr>
+            <p:cNvPr id="15" name="TextBox 14"/>
+            <p:cNvSpPr txBox="1"/>
+            <p:nvPr/>
+          </p:nvSpPr>
+          <p:spPr>
+            <a:xfrm>
+              <a:off x="6575060" y="2949449"/>
+              <a:ext cx="1326317" cy="369332"/>
+            </a:xfrm>
+            <a:prstGeom prst="rect">
+              <a:avLst/>
+            </a:prstGeom>
+            <a:noFill/>
+          </p:spPr>
+          <p:txBody>
+            <a:bodyPr wrap="none" rtlCol="0">
+              <a:spAutoFit/>
+            </a:bodyPr>
+            <a:lstStyle/>
+            <a:p>
+              <a:pPr algn="ctr"/>
+              <a:r>
+                <a:rPr lang="en-US" dirty="0" smtClean="0">
+                  <a:solidFill>
+                    <a:schemeClr val="accent6">
+                      <a:lumMod val="50000"/>
+                    </a:schemeClr>
+                  </a:solidFill>
+                  <a:latin typeface="Arial"/>
+                  <a:cs typeface="Arial"/>
+                </a:rPr>
+                <a:t>Complexity</a:t>
+              </a:r>
+              <a:endParaRPr lang="en-US" dirty="0">
+                <a:solidFill>
+                  <a:schemeClr val="accent6">
+                    <a:lumMod val="50000"/>
                   </a:schemeClr>
                 </a:solidFill>
+                <a:latin typeface="Arial"/>
+                <a:cs typeface="Arial"/>
+              </a:endParaRPr>
+            </a:p>
+          </p:txBody>
+        </p:sp>
+        <p:sp>
+          <p:nvSpPr>
+            <p:cNvPr id="16" name="TextBox 15"/>
+            <p:cNvSpPr txBox="1"/>
+            <p:nvPr/>
+          </p:nvSpPr>
+          <p:spPr>
+            <a:xfrm>
+              <a:off x="6613438" y="3897804"/>
+              <a:ext cx="1249561" cy="369332"/>
+            </a:xfrm>
+            <a:prstGeom prst="rect">
+              <a:avLst/>
+            </a:prstGeom>
+            <a:noFill/>
+          </p:spPr>
+          <p:txBody>
+            <a:bodyPr wrap="none" rtlCol="0">
+              <a:spAutoFit/>
+            </a:bodyPr>
+            <a:lstStyle/>
+            <a:p>
+              <a:pPr algn="ctr"/>
+              <a:r>
+                <a:rPr lang="en-US" dirty="0" smtClean="0">
+                  <a:solidFill>
+                    <a:schemeClr val="accent6">
+                      <a:lumMod val="50000"/>
+                    </a:schemeClr>
+                  </a:solidFill>
+                  <a:latin typeface="Arial"/>
+                  <a:cs typeface="Arial"/>
+                </a:rPr>
+                <a:t>Resilience</a:t>
+              </a:r>
+              <a:endParaRPr lang="en-US" dirty="0">
+                <a:solidFill>
+                  <a:schemeClr val="accent6">
+                    <a:lumMod val="50000"/>
+                  </a:schemeClr>
+                </a:solidFill>
+                <a:latin typeface="Arial"/>
+                <a:cs typeface="Arial"/>
+              </a:endParaRPr>
+            </a:p>
+          </p:txBody>
+        </p:sp>
+        <p:sp>
+          <p:nvSpPr>
+            <p:cNvPr id="26" name="TextBox 25"/>
+            <p:cNvSpPr txBox="1"/>
+            <p:nvPr/>
+          </p:nvSpPr>
+          <p:spPr>
+            <a:xfrm>
+              <a:off x="6651816" y="3265567"/>
+              <a:ext cx="1172805" cy="369332"/>
+            </a:xfrm>
+            <a:prstGeom prst="rect">
+              <a:avLst/>
+            </a:prstGeom>
+            <a:noFill/>
+          </p:spPr>
+          <p:txBody>
+            <a:bodyPr wrap="none" rtlCol="0">
+              <a:spAutoFit/>
+            </a:bodyPr>
+            <a:lstStyle/>
+            <a:p>
+              <a:pPr algn="ctr"/>
+              <a:r>
+                <a:rPr lang="en-US" dirty="0" smtClean="0">
+                  <a:solidFill>
+                    <a:schemeClr val="accent6">
+                      <a:lumMod val="50000"/>
+                    </a:schemeClr>
+                  </a:solidFill>
+                  <a:latin typeface="Arial"/>
+                  <a:cs typeface="Arial"/>
+                </a:rPr>
+                <a:t>Inequality</a:t>
+              </a:r>
+              <a:endParaRPr lang="en-US" dirty="0">
+                <a:solidFill>
+                  <a:schemeClr val="accent6">
+                    <a:lumMod val="50000"/>
+                  </a:schemeClr>
+                </a:solidFill>
+                <a:latin typeface="Arial"/>
+                <a:cs typeface="Arial"/>
+              </a:endParaRPr>
+            </a:p>
+          </p:txBody>
+        </p:sp>
+        <p:sp>
+          <p:nvSpPr>
+            <p:cNvPr id="33" name="TextBox 32"/>
+            <p:cNvSpPr txBox="1"/>
+            <p:nvPr/>
+          </p:nvSpPr>
+          <p:spPr>
+            <a:xfrm>
+              <a:off x="6703438" y="2633331"/>
+              <a:ext cx="1069561" cy="369332"/>
+            </a:xfrm>
+            <a:prstGeom prst="rect">
+              <a:avLst/>
+            </a:prstGeom>
+            <a:noFill/>
+          </p:spPr>
+          <p:txBody>
+            <a:bodyPr wrap="none" rtlCol="0">
+              <a:spAutoFit/>
+            </a:bodyPr>
+            <a:lstStyle/>
+            <a:p>
+              <a:pPr algn="ctr"/>
+              <a:r>
+                <a:rPr lang="en-US" dirty="0" smtClean="0">
+                  <a:solidFill>
+                    <a:schemeClr val="accent6">
+                      <a:lumMod val="50000"/>
+                    </a:schemeClr>
+                  </a:solidFill>
+                  <a:latin typeface="Arial"/>
+                  <a:cs typeface="Arial"/>
+                </a:rPr>
+                <a:t>Diversity</a:t>
+              </a:r>
+            </a:p>
+          </p:txBody>
+        </p:sp>
+        <p:sp>
+          <p:nvSpPr>
+            <p:cNvPr id="36" name="TextBox 35"/>
+            <p:cNvSpPr txBox="1"/>
+            <p:nvPr/>
+          </p:nvSpPr>
+          <p:spPr>
+            <a:xfrm>
+              <a:off x="6600420" y="3581685"/>
+              <a:ext cx="1275597" cy="369332"/>
+            </a:xfrm>
+            <a:prstGeom prst="rect">
+              <a:avLst/>
+            </a:prstGeom>
+            <a:noFill/>
+          </p:spPr>
+          <p:txBody>
+            <a:bodyPr wrap="none" rtlCol="0">
+              <a:spAutoFit/>
+            </a:bodyPr>
+            <a:lstStyle/>
+            <a:p>
+              <a:pPr algn="ctr"/>
+              <a:r>
+                <a:rPr lang="en-US" dirty="0" smtClean="0">
+                  <a:solidFill>
+                    <a:schemeClr val="accent6">
+                      <a:lumMod val="50000"/>
+                    </a:schemeClr>
+                  </a:solidFill>
+                  <a:latin typeface="Arial"/>
+                  <a:cs typeface="Arial"/>
+                </a:rPr>
+                <a:t>Population</a:t>
+              </a:r>
+            </a:p>
+          </p:txBody>
+        </p:sp>
+        <p:sp>
+          <p:nvSpPr>
+            <p:cNvPr id="49" name="Oval 48"/>
+            <p:cNvSpPr/>
+            <p:nvPr/>
+          </p:nvSpPr>
+          <p:spPr>
+            <a:xfrm>
+              <a:off x="6923697" y="4226365"/>
+              <a:ext cx="635020" cy="635020"/>
+            </a:xfrm>
+            <a:prstGeom prst="ellipse">
+              <a:avLst/>
+            </a:prstGeom>
+            <a:noFill/>
+            <a:ln>
+              <a:solidFill>
+                <a:schemeClr val="tx1"/>
+              </a:solidFill>
+            </a:ln>
+            <a:effectLst/>
+          </p:spPr>
+          <p:style>
+            <a:lnRef idx="1">
+              <a:schemeClr val="accent1"/>
+            </a:lnRef>
+            <a:fillRef idx="3">
+              <a:schemeClr val="accent1"/>
+            </a:fillRef>
+            <a:effectRef idx="2">
+              <a:schemeClr val="accent1"/>
+            </a:effectRef>
+            <a:fontRef idx="minor">
+              <a:schemeClr val="lt1"/>
+            </a:fontRef>
+          </p:style>
+          <p:txBody>
+            <a:bodyPr lIns="0" tIns="0" rIns="0" bIns="0" rtlCol="0" anchor="ctr"/>
+            <a:lstStyle/>
+            <a:p>
+              <a:pPr algn="ctr"/>
+              <a:r>
+                <a:rPr lang="en-US" sz="2100" dirty="0" smtClean="0">
+                  <a:solidFill>
+                    <a:schemeClr val="tx1"/>
+                  </a:solidFill>
+                  <a:latin typeface="Arial"/>
+                  <a:cs typeface="Arial"/>
+                </a:rPr>
+                <a:t>K</a:t>
+              </a:r>
+              <a:r>
+                <a:rPr lang="en-US" sz="2100" baseline="-25000" dirty="0" smtClean="0">
+                  <a:solidFill>
+                    <a:schemeClr val="tx1"/>
+                  </a:solidFill>
+                  <a:latin typeface="Arial"/>
+                  <a:cs typeface="Arial"/>
+                </a:rPr>
+                <a:t>S</a:t>
+              </a:r>
+              <a:endParaRPr lang="en-US" sz="2100" baseline="-25000" dirty="0">
+                <a:solidFill>
+                  <a:schemeClr val="tx1"/>
+                </a:solidFill>
+                <a:latin typeface="Arial"/>
+                <a:cs typeface="Arial"/>
+              </a:endParaRPr>
+            </a:p>
+          </p:txBody>
+        </p:sp>
+        <p:sp>
+          <p:nvSpPr>
+            <p:cNvPr id="65" name="Arc 64"/>
+            <p:cNvSpPr/>
+            <p:nvPr/>
+          </p:nvSpPr>
+          <p:spPr>
+            <a:xfrm rot="5400000">
+              <a:off x="6823549" y="2026867"/>
+              <a:ext cx="807780" cy="1649397"/>
+            </a:xfrm>
+            <a:prstGeom prst="arc">
+              <a:avLst>
+                <a:gd name="adj1" fmla="val 6021582"/>
+                <a:gd name="adj2" fmla="val 15590894"/>
+              </a:avLst>
+            </a:prstGeom>
+            <a:ln>
+              <a:solidFill>
+                <a:srgbClr val="FFFF00"/>
+              </a:solidFill>
+              <a:headEnd type="stealth" w="lg" len="lg"/>
+              <a:tailEnd type="stealth" w="lg" len="lg"/>
+            </a:ln>
+            <a:effectLst/>
+          </p:spPr>
+          <p:style>
+            <a:lnRef idx="2">
+              <a:schemeClr val="accent1"/>
+            </a:lnRef>
+            <a:fillRef idx="0">
+              <a:schemeClr val="accent1"/>
+            </a:fillRef>
+            <a:effectRef idx="1">
+              <a:schemeClr val="accent1"/>
+            </a:effectRef>
+            <a:fontRef idx="minor">
+              <a:schemeClr val="tx1"/>
+            </a:fontRef>
+          </p:style>
+          <p:txBody>
+            <a:bodyPr rtlCol="0" anchor="ctr"/>
+            <a:lstStyle/>
+            <a:p>
+              <a:pPr algn="ctr"/>
+              <a:endParaRPr lang="en-US">
+                <a:latin typeface="Arial"/>
+                <a:cs typeface="Arial"/>
+              </a:endParaRPr>
+            </a:p>
+          </p:txBody>
+        </p:sp>
+        <p:sp>
+          <p:nvSpPr>
+            <p:cNvPr id="68" name="Arc 67"/>
+            <p:cNvSpPr/>
+            <p:nvPr/>
+          </p:nvSpPr>
+          <p:spPr>
+            <a:xfrm rot="19856015">
+              <a:off x="6283215" y="3089847"/>
+              <a:ext cx="807780" cy="1649397"/>
+            </a:xfrm>
+            <a:prstGeom prst="arc">
+              <a:avLst>
+                <a:gd name="adj1" fmla="val 6021582"/>
+                <a:gd name="adj2" fmla="val 15590894"/>
+              </a:avLst>
+            </a:prstGeom>
+            <a:ln>
+              <a:solidFill>
+                <a:srgbClr val="FFFF00"/>
+              </a:solidFill>
+              <a:headEnd type="stealth" w="lg" len="lg"/>
+              <a:tailEnd type="stealth" w="lg" len="lg"/>
+            </a:ln>
+            <a:effectLst/>
+          </p:spPr>
+          <p:style>
+            <a:lnRef idx="2">
+              <a:schemeClr val="accent1"/>
+            </a:lnRef>
+            <a:fillRef idx="0">
+              <a:schemeClr val="accent1"/>
+            </a:fillRef>
+            <a:effectRef idx="1">
+              <a:schemeClr val="accent1"/>
+            </a:effectRef>
+            <a:fontRef idx="minor">
+              <a:schemeClr val="tx1"/>
+            </a:fontRef>
+          </p:style>
+          <p:txBody>
+            <a:bodyPr rtlCol="0" anchor="ctr"/>
+            <a:lstStyle/>
+            <a:p>
+              <a:pPr algn="ctr"/>
+              <a:endParaRPr lang="en-US">
+                <a:latin typeface="Arial"/>
+                <a:cs typeface="Arial"/>
+              </a:endParaRPr>
+            </a:p>
+          </p:txBody>
+        </p:sp>
+        <p:sp>
+          <p:nvSpPr>
+            <p:cNvPr id="69" name="Arc 68"/>
+            <p:cNvSpPr/>
+            <p:nvPr/>
+          </p:nvSpPr>
+          <p:spPr>
+            <a:xfrm rot="1743985" flipH="1">
+              <a:off x="7376735" y="3089846"/>
+              <a:ext cx="807780" cy="1649397"/>
+            </a:xfrm>
+            <a:prstGeom prst="arc">
+              <a:avLst>
+                <a:gd name="adj1" fmla="val 6021582"/>
+                <a:gd name="adj2" fmla="val 15590894"/>
+              </a:avLst>
+            </a:prstGeom>
+            <a:ln>
+              <a:solidFill>
+                <a:srgbClr val="FFFF00"/>
+              </a:solidFill>
+              <a:headEnd type="stealth" w="lg" len="lg"/>
+              <a:tailEnd type="stealth" w="lg" len="lg"/>
+            </a:ln>
+            <a:effectLst/>
+          </p:spPr>
+          <p:style>
+            <a:lnRef idx="2">
+              <a:schemeClr val="accent1"/>
+            </a:lnRef>
+            <a:fillRef idx="0">
+              <a:schemeClr val="accent1"/>
+            </a:fillRef>
+            <a:effectRef idx="1">
+              <a:schemeClr val="accent1"/>
+            </a:effectRef>
+            <a:fontRef idx="minor">
+              <a:schemeClr val="tx1"/>
+            </a:fontRef>
+          </p:style>
+          <p:txBody>
+            <a:bodyPr rtlCol="0" anchor="ctr"/>
+            <a:lstStyle/>
+            <a:p>
+              <a:pPr algn="ctr"/>
+              <a:endParaRPr lang="en-US">
+                <a:latin typeface="Arial"/>
+                <a:cs typeface="Arial"/>
               </a:endParaRPr>
             </a:p>
           </p:txBody>
         </p:sp>
       </p:grpSp>
-      <p:sp>
-        <p:nvSpPr>
-          <p:cNvPr id="72" name="TextBox 71"/>
-          <p:cNvSpPr txBox="1"/>
-          <p:nvPr/>
-        </p:nvSpPr>
-        <p:spPr>
-          <a:xfrm rot="1174311">
-            <a:off x="257229" y="5215336"/>
-            <a:ext cx="1710725" cy="369332"/>
-          </a:xfrm>
-          <a:prstGeom prst="rect">
-            <a:avLst/>
-          </a:prstGeom>
-          <a:noFill/>
-        </p:spPr>
-        <p:txBody>
-          <a:bodyPr wrap="none" rtlCol="0">
-            <a:spAutoFit/>
-          </a:bodyPr>
-          <a:lstStyle/>
-          <a:p>
-            <a:pPr algn="ctr"/>
-            <a:r>
-              <a:rPr lang="en-US" dirty="0" smtClean="0">
-                <a:solidFill>
-                  <a:schemeClr val="bg1">
-                    <a:lumMod val="75000"/>
-                  </a:schemeClr>
-                </a:solidFill>
-              </a:rPr>
-              <a:t>Natural Systems</a:t>
-            </a:r>
-            <a:endParaRPr lang="en-US" dirty="0">
-              <a:solidFill>
-                <a:schemeClr val="bg1">
-                  <a:lumMod val="75000"/>
-                </a:schemeClr>
-              </a:solidFill>
-            </a:endParaRPr>
-          </a:p>
-        </p:txBody>
-      </p:sp>
-      <p:sp>
-        <p:nvSpPr>
-          <p:cNvPr id="74" name="TextBox 73"/>
-          <p:cNvSpPr txBox="1"/>
-          <p:nvPr/>
-        </p:nvSpPr>
-        <p:spPr>
-          <a:xfrm rot="20172933">
-            <a:off x="7172591" y="5366410"/>
-            <a:ext cx="1685866" cy="369332"/>
-          </a:xfrm>
-          <a:prstGeom prst="rect">
-            <a:avLst/>
-          </a:prstGeom>
-          <a:noFill/>
-        </p:spPr>
-        <p:txBody>
-          <a:bodyPr wrap="none" rtlCol="0">
-            <a:spAutoFit/>
-          </a:bodyPr>
-          <a:lstStyle/>
-          <a:p>
-            <a:pPr algn="ctr"/>
-            <a:r>
-              <a:rPr lang="en-US" dirty="0" smtClean="0">
-                <a:solidFill>
-                  <a:schemeClr val="bg1">
-                    <a:lumMod val="75000"/>
-                  </a:schemeClr>
-                </a:solidFill>
-              </a:rPr>
-              <a:t>Human Systems</a:t>
-            </a:r>
-            <a:endParaRPr lang="en-US" dirty="0">
-              <a:solidFill>
-                <a:schemeClr val="bg1">
-                  <a:lumMod val="75000"/>
-                </a:schemeClr>
-              </a:solidFill>
-            </a:endParaRPr>
-          </a:p>
-        </p:txBody>
-      </p:sp>
-      <p:sp>
-        <p:nvSpPr>
-          <p:cNvPr id="53" name="TextBox 52"/>
-          <p:cNvSpPr txBox="1"/>
-          <p:nvPr/>
-        </p:nvSpPr>
-        <p:spPr>
-          <a:xfrm rot="21198496">
-            <a:off x="4431158" y="6090416"/>
-            <a:ext cx="823037" cy="307777"/>
-          </a:xfrm>
-          <a:prstGeom prst="rect">
-            <a:avLst/>
-          </a:prstGeom>
-          <a:noFill/>
-        </p:spPr>
-        <p:txBody>
-          <a:bodyPr wrap="none" rtlCol="0">
-            <a:spAutoFit/>
-          </a:bodyPr>
-          <a:lstStyle/>
-          <a:p>
-            <a:pPr algn="ctr"/>
-            <a:r>
-              <a:rPr lang="en-US" sz="1400" dirty="0" smtClean="0">
-                <a:solidFill>
-                  <a:schemeClr val="accent3">
-                    <a:lumMod val="75000"/>
-                  </a:schemeClr>
-                </a:solidFill>
-              </a:rPr>
-              <a:t>Minerals</a:t>
-            </a:r>
-            <a:endParaRPr lang="en-US" sz="1400" dirty="0">
-              <a:solidFill>
-                <a:schemeClr val="accent3">
-                  <a:lumMod val="75000"/>
-                </a:schemeClr>
-              </a:solidFill>
-            </a:endParaRPr>
-          </a:p>
-        </p:txBody>
-      </p:sp>
     </p:spTree>
     <p:extLst>
       <p:ext uri="{BB962C8B-B14F-4D97-AF65-F5344CB8AC3E}">
-        <p14:creationId xmlns:p14="http://schemas.microsoft.com/office/powerpoint/2010/main" val="850585228"/>
+        <p14:creationId xmlns:p14="http://schemas.microsoft.com/office/powerpoint/2010/main" val="1315128191"/>
       </p:ext>
     </p:extLst>
   </p:cSld>
